--- a/pics/2020-02-29_ANOVA/pics.pptx
+++ b/pics/2020-02-29_ANOVA/pics.pptx
@@ -105,6 +105,11 @@
       </a:defRPr>
     </a:lvl9pPr>
   </p:defaultTextStyle>
+  <p:extLst>
+    <p:ext uri="{EFAFB233-063F-42B5-8137-9DF3F51BA10A}">
+      <p15:sldGuideLst xmlns:p15="http://schemas.microsoft.com/office/powerpoint/2012/main"/>
+    </p:ext>
+  </p:extLst>
 </p:presentation>
 </file>
 
@@ -6636,8 +6641,8 @@
           </a:p>
         </p:txBody>
       </p:sp>
-      <mc:AlternateContent xmlns:mc="http://schemas.openxmlformats.org/markup-compatibility/2006">
-        <mc:Choice xmlns:a14="http://schemas.microsoft.com/office/drawing/2010/main" Requires="a14">
+      <mc:AlternateContent xmlns:mc="http://schemas.openxmlformats.org/markup-compatibility/2006" xmlns:a14="http://schemas.microsoft.com/office/drawing/2010/main">
+        <mc:Choice Requires="a14">
           <p:sp>
             <p:nvSpPr>
               <p:cNvPr id="59" name="TextBox 58">
@@ -6666,6 +6671,7 @@
               </a:bodyPr>
               <a:lstStyle/>
               <a:p>
+                <a:pPr/>
                 <a14:m>
                   <m:oMathPara xmlns:m="http://schemas.openxmlformats.org/officeDocument/2006/math">
                     <m:oMathParaPr>
@@ -6686,7 +6692,7 @@
             </p:txBody>
           </p:sp>
         </mc:Choice>
-        <mc:Fallback>
+        <mc:Fallback xmlns="">
           <p:sp>
             <p:nvSpPr>
               <p:cNvPr id="59" name="TextBox 58">
@@ -6837,6 +6843,168 @@
             <a:r>
               <a:rPr lang="en-US" altLang="ko-KR" dirty="0"/>
               <a:t>-1</a:t>
+            </a:r>
+            <a:endParaRPr lang="ko-KR" altLang="en-US" dirty="0"/>
+          </a:p>
+        </p:txBody>
+      </p:sp>
+      <p:cxnSp>
+        <p:nvCxnSpPr>
+          <p:cNvPr id="28" name="직선 연결선 27">
+            <a:extLst>
+              <a:ext uri="{FF2B5EF4-FFF2-40B4-BE49-F238E27FC236}">
+                <a16:creationId xmlns:a16="http://schemas.microsoft.com/office/drawing/2014/main" id="{E79380DA-A865-4BAD-8EE3-6D67C061B3CA}"/>
+              </a:ext>
+            </a:extLst>
+          </p:cNvPr>
+          <p:cNvCxnSpPr>
+            <a:cxnSpLocks/>
+          </p:cNvCxnSpPr>
+          <p:nvPr/>
+        </p:nvCxnSpPr>
+        <p:spPr>
+          <a:xfrm>
+            <a:off x="7731528" y="962931"/>
+            <a:ext cx="800291" cy="0"/>
+          </a:xfrm>
+          <a:prstGeom prst="line">
+            <a:avLst/>
+          </a:prstGeom>
+          <a:ln w="38100">
+            <a:solidFill>
+              <a:srgbClr val="FF0000"/>
+            </a:solidFill>
+          </a:ln>
+        </p:spPr>
+        <p:style>
+          <a:lnRef idx="1">
+            <a:schemeClr val="accent1"/>
+          </a:lnRef>
+          <a:fillRef idx="0">
+            <a:schemeClr val="accent1"/>
+          </a:fillRef>
+          <a:effectRef idx="0">
+            <a:schemeClr val="accent1"/>
+          </a:effectRef>
+          <a:fontRef idx="minor">
+            <a:schemeClr val="tx1"/>
+          </a:fontRef>
+        </p:style>
+      </p:cxnSp>
+      <p:cxnSp>
+        <p:nvCxnSpPr>
+          <p:cNvPr id="30" name="직선 연결선 29">
+            <a:extLst>
+              <a:ext uri="{FF2B5EF4-FFF2-40B4-BE49-F238E27FC236}">
+                <a16:creationId xmlns:a16="http://schemas.microsoft.com/office/drawing/2014/main" id="{FAFDF6C2-CAD3-4F87-B38B-D07C4E7BABD1}"/>
+              </a:ext>
+            </a:extLst>
+          </p:cNvPr>
+          <p:cNvCxnSpPr>
+            <a:cxnSpLocks/>
+          </p:cNvCxnSpPr>
+          <p:nvPr/>
+        </p:nvCxnSpPr>
+        <p:spPr>
+          <a:xfrm>
+            <a:off x="7731528" y="1408246"/>
+            <a:ext cx="800291" cy="0"/>
+          </a:xfrm>
+          <a:prstGeom prst="line">
+            <a:avLst/>
+          </a:prstGeom>
+          <a:ln w="38100">
+            <a:solidFill>
+              <a:schemeClr val="tx1"/>
+            </a:solidFill>
+            <a:prstDash val="sysDash"/>
+          </a:ln>
+        </p:spPr>
+        <p:style>
+          <a:lnRef idx="1">
+            <a:schemeClr val="accent1"/>
+          </a:lnRef>
+          <a:fillRef idx="0">
+            <a:schemeClr val="accent1"/>
+          </a:fillRef>
+          <a:effectRef idx="0">
+            <a:schemeClr val="accent1"/>
+          </a:effectRef>
+          <a:fontRef idx="minor">
+            <a:schemeClr val="tx1"/>
+          </a:fontRef>
+        </p:style>
+      </p:cxnSp>
+      <p:sp>
+        <p:nvSpPr>
+          <p:cNvPr id="4" name="TextBox 3">
+            <a:extLst>
+              <a:ext uri="{FF2B5EF4-FFF2-40B4-BE49-F238E27FC236}">
+                <a16:creationId xmlns:a16="http://schemas.microsoft.com/office/drawing/2014/main" id="{E61E49B3-709D-4CC3-84DC-51F1F36E36EF}"/>
+              </a:ext>
+            </a:extLst>
+          </p:cNvPr>
+          <p:cNvSpPr txBox="1"/>
+          <p:nvPr/>
+        </p:nvSpPr>
+        <p:spPr>
+          <a:xfrm>
+            <a:off x="8626561" y="745724"/>
+            <a:ext cx="1189749" cy="369332"/>
+          </a:xfrm>
+          <a:prstGeom prst="rect">
+            <a:avLst/>
+          </a:prstGeom>
+          <a:noFill/>
+        </p:spPr>
+        <p:txBody>
+          <a:bodyPr wrap="none" rtlCol="0">
+            <a:spAutoFit/>
+          </a:bodyPr>
+          <a:lstStyle/>
+          <a:p>
+            <a:r>
+              <a:rPr lang="ko-KR" altLang="en-US"/>
+              <a:t>표본 평균</a:t>
+            </a:r>
+          </a:p>
+        </p:txBody>
+      </p:sp>
+      <p:sp>
+        <p:nvSpPr>
+          <p:cNvPr id="33" name="TextBox 32">
+            <a:extLst>
+              <a:ext uri="{FF2B5EF4-FFF2-40B4-BE49-F238E27FC236}">
+                <a16:creationId xmlns:a16="http://schemas.microsoft.com/office/drawing/2014/main" id="{8E39ED13-16F7-4825-B32D-9D5DEEB29D50}"/>
+              </a:ext>
+            </a:extLst>
+          </p:cNvPr>
+          <p:cNvSpPr txBox="1"/>
+          <p:nvPr/>
+        </p:nvSpPr>
+        <p:spPr>
+          <a:xfrm>
+            <a:off x="8626561" y="1223580"/>
+            <a:ext cx="2375971" cy="369332"/>
+          </a:xfrm>
+          <a:prstGeom prst="rect">
+            <a:avLst/>
+          </a:prstGeom>
+          <a:noFill/>
+        </p:spPr>
+        <p:txBody>
+          <a:bodyPr wrap="none" rtlCol="0">
+            <a:spAutoFit/>
+          </a:bodyPr>
+          <a:lstStyle/>
+          <a:p>
+            <a:r>
+              <a:rPr lang="ko-KR" altLang="en-US" dirty="0"/>
+              <a:t>총 평균</a:t>
+            </a:r>
+            <a:r>
+              <a:rPr lang="en-US" altLang="ko-KR" dirty="0"/>
+              <a:t>(grand mean)</a:t>
             </a:r>
             <a:endParaRPr lang="ko-KR" altLang="en-US" dirty="0"/>
           </a:p>
@@ -9463,47 +9631,6 @@
       </p:sp>
       <p:cxnSp>
         <p:nvCxnSpPr>
-          <p:cNvPr id="43" name="직선 연결선 42">
-            <a:extLst>
-              <a:ext uri="{FF2B5EF4-FFF2-40B4-BE49-F238E27FC236}">
-                <a16:creationId xmlns:a16="http://schemas.microsoft.com/office/drawing/2014/main" id="{CE24BC2C-BDED-4660-BA08-A5D9F6B16AD2}"/>
-              </a:ext>
-            </a:extLst>
-          </p:cNvPr>
-          <p:cNvCxnSpPr>
-            <a:cxnSpLocks/>
-          </p:cNvCxnSpPr>
-          <p:nvPr/>
-        </p:nvCxnSpPr>
-        <p:spPr>
-          <a:xfrm>
-            <a:off x="5936525" y="1252171"/>
-            <a:ext cx="0" cy="3054286"/>
-          </a:xfrm>
-          <a:prstGeom prst="line">
-            <a:avLst/>
-          </a:prstGeom>
-          <a:ln w="38100">
-            <a:prstDash val="dash"/>
-          </a:ln>
-        </p:spPr>
-        <p:style>
-          <a:lnRef idx="1">
-            <a:schemeClr val="dk1"/>
-          </a:lnRef>
-          <a:fillRef idx="0">
-            <a:schemeClr val="dk1"/>
-          </a:fillRef>
-          <a:effectRef idx="0">
-            <a:schemeClr val="dk1"/>
-          </a:effectRef>
-          <a:fontRef idx="minor">
-            <a:schemeClr val="tx1"/>
-          </a:fontRef>
-        </p:style>
-      </p:cxnSp>
-      <p:cxnSp>
-        <p:nvCxnSpPr>
           <p:cNvPr id="27" name="직선 연결선 26">
             <a:extLst>
               <a:ext uri="{FF2B5EF4-FFF2-40B4-BE49-F238E27FC236}">
@@ -9937,8 +10064,8 @@
           </a:p>
         </p:txBody>
       </p:sp>
-      <mc:AlternateContent xmlns:mc="http://schemas.openxmlformats.org/markup-compatibility/2006">
-        <mc:Choice xmlns:a14="http://schemas.microsoft.com/office/drawing/2010/main" Requires="a14">
+      <mc:AlternateContent xmlns:mc="http://schemas.openxmlformats.org/markup-compatibility/2006" xmlns:a14="http://schemas.microsoft.com/office/drawing/2010/main">
+        <mc:Choice Requires="a14">
           <p:sp>
             <p:nvSpPr>
               <p:cNvPr id="59" name="TextBox 58">
@@ -9967,6 +10094,7 @@
               </a:bodyPr>
               <a:lstStyle/>
               <a:p>
+                <a:pPr/>
                 <a14:m>
                   <m:oMathPara xmlns:m="http://schemas.openxmlformats.org/officeDocument/2006/math">
                     <m:oMathParaPr>
@@ -9987,7 +10115,7 @@
             </p:txBody>
           </p:sp>
         </mc:Choice>
-        <mc:Fallback>
+        <mc:Fallback xmlns="">
           <p:sp>
             <p:nvSpPr>
               <p:cNvPr id="59" name="TextBox 58">

--- a/pics/2020-02-29_ANOVA/pics.pptx
+++ b/pics/2020-02-29_ANOVA/pics.pptx
@@ -7,6 +7,7 @@
   <p:sldIdLst>
     <p:sldId id="256" r:id="rId2"/>
     <p:sldId id="257" r:id="rId3"/>
+    <p:sldId id="258" r:id="rId4"/>
   </p:sldIdLst>
   <p:sldSz cx="12192000" cy="6858000"/>
   <p:notesSz cx="6858000" cy="9144000"/>
@@ -260,7 +261,7 @@
           <a:p>
             <a:fld id="{C41A42D6-CA22-4985-B025-1990F1C66A54}" type="datetimeFigureOut">
               <a:rPr lang="ko-KR" altLang="en-US" smtClean="0"/>
-              <a:t>2020-02-29</a:t>
+              <a:t>2020-03-01</a:t>
             </a:fld>
             <a:endParaRPr lang="ko-KR" altLang="en-US"/>
           </a:p>
@@ -458,7 +459,7 @@
           <a:p>
             <a:fld id="{C41A42D6-CA22-4985-B025-1990F1C66A54}" type="datetimeFigureOut">
               <a:rPr lang="ko-KR" altLang="en-US" smtClean="0"/>
-              <a:t>2020-02-29</a:t>
+              <a:t>2020-03-01</a:t>
             </a:fld>
             <a:endParaRPr lang="ko-KR" altLang="en-US"/>
           </a:p>
@@ -666,7 +667,7 @@
           <a:p>
             <a:fld id="{C41A42D6-CA22-4985-B025-1990F1C66A54}" type="datetimeFigureOut">
               <a:rPr lang="ko-KR" altLang="en-US" smtClean="0"/>
-              <a:t>2020-02-29</a:t>
+              <a:t>2020-03-01</a:t>
             </a:fld>
             <a:endParaRPr lang="ko-KR" altLang="en-US"/>
           </a:p>
@@ -864,7 +865,7 @@
           <a:p>
             <a:fld id="{C41A42D6-CA22-4985-B025-1990F1C66A54}" type="datetimeFigureOut">
               <a:rPr lang="ko-KR" altLang="en-US" smtClean="0"/>
-              <a:t>2020-02-29</a:t>
+              <a:t>2020-03-01</a:t>
             </a:fld>
             <a:endParaRPr lang="ko-KR" altLang="en-US"/>
           </a:p>
@@ -1139,7 +1140,7 @@
           <a:p>
             <a:fld id="{C41A42D6-CA22-4985-B025-1990F1C66A54}" type="datetimeFigureOut">
               <a:rPr lang="ko-KR" altLang="en-US" smtClean="0"/>
-              <a:t>2020-02-29</a:t>
+              <a:t>2020-03-01</a:t>
             </a:fld>
             <a:endParaRPr lang="ko-KR" altLang="en-US"/>
           </a:p>
@@ -1404,7 +1405,7 @@
           <a:p>
             <a:fld id="{C41A42D6-CA22-4985-B025-1990F1C66A54}" type="datetimeFigureOut">
               <a:rPr lang="ko-KR" altLang="en-US" smtClean="0"/>
-              <a:t>2020-02-29</a:t>
+              <a:t>2020-03-01</a:t>
             </a:fld>
             <a:endParaRPr lang="ko-KR" altLang="en-US"/>
           </a:p>
@@ -1816,7 +1817,7 @@
           <a:p>
             <a:fld id="{C41A42D6-CA22-4985-B025-1990F1C66A54}" type="datetimeFigureOut">
               <a:rPr lang="ko-KR" altLang="en-US" smtClean="0"/>
-              <a:t>2020-02-29</a:t>
+              <a:t>2020-03-01</a:t>
             </a:fld>
             <a:endParaRPr lang="ko-KR" altLang="en-US"/>
           </a:p>
@@ -1957,7 +1958,7 @@
           <a:p>
             <a:fld id="{C41A42D6-CA22-4985-B025-1990F1C66A54}" type="datetimeFigureOut">
               <a:rPr lang="ko-KR" altLang="en-US" smtClean="0"/>
-              <a:t>2020-02-29</a:t>
+              <a:t>2020-03-01</a:t>
             </a:fld>
             <a:endParaRPr lang="ko-KR" altLang="en-US"/>
           </a:p>
@@ -2070,7 +2071,7 @@
           <a:p>
             <a:fld id="{C41A42D6-CA22-4985-B025-1990F1C66A54}" type="datetimeFigureOut">
               <a:rPr lang="ko-KR" altLang="en-US" smtClean="0"/>
-              <a:t>2020-02-29</a:t>
+              <a:t>2020-03-01</a:t>
             </a:fld>
             <a:endParaRPr lang="ko-KR" altLang="en-US"/>
           </a:p>
@@ -2381,7 +2382,7 @@
           <a:p>
             <a:fld id="{C41A42D6-CA22-4985-B025-1990F1C66A54}" type="datetimeFigureOut">
               <a:rPr lang="ko-KR" altLang="en-US" smtClean="0"/>
-              <a:t>2020-02-29</a:t>
+              <a:t>2020-03-01</a:t>
             </a:fld>
             <a:endParaRPr lang="ko-KR" altLang="en-US"/>
           </a:p>
@@ -2669,7 +2670,7 @@
           <a:p>
             <a:fld id="{C41A42D6-CA22-4985-B025-1990F1C66A54}" type="datetimeFigureOut">
               <a:rPr lang="ko-KR" altLang="en-US" smtClean="0"/>
-              <a:t>2020-02-29</a:t>
+              <a:t>2020-03-01</a:t>
             </a:fld>
             <a:endParaRPr lang="ko-KR" altLang="en-US"/>
           </a:p>
@@ -2910,7 +2911,7 @@
           <a:p>
             <a:fld id="{C41A42D6-CA22-4985-B025-1990F1C66A54}" type="datetimeFigureOut">
               <a:rPr lang="ko-KR" altLang="en-US" smtClean="0"/>
-              <a:t>2020-02-29</a:t>
+              <a:t>2020-03-01</a:t>
             </a:fld>
             <a:endParaRPr lang="ko-KR" altLang="en-US"/>
           </a:p>
@@ -10433,6 +10434,496 @@
 </p:sld>
 </file>
 
+<file path=ppt/slides/slide3.xml><?xml version="1.0" encoding="utf-8"?>
+<p:sld xmlns:a="http://schemas.openxmlformats.org/drawingml/2006/main" xmlns:r="http://schemas.openxmlformats.org/officeDocument/2006/relationships" xmlns:p="http://schemas.openxmlformats.org/presentationml/2006/main">
+  <p:cSld>
+    <p:spTree>
+      <p:nvGrpSpPr>
+        <p:cNvPr id="1" name=""/>
+        <p:cNvGrpSpPr/>
+        <p:nvPr/>
+      </p:nvGrpSpPr>
+      <p:grpSpPr>
+        <a:xfrm>
+          <a:off x="0" y="0"/>
+          <a:ext cx="0" cy="0"/>
+          <a:chOff x="0" y="0"/>
+          <a:chExt cx="0" cy="0"/>
+        </a:xfrm>
+      </p:grpSpPr>
+      <p:grpSp>
+        <p:nvGrpSpPr>
+          <p:cNvPr id="12" name="그룹 11">
+            <a:extLst>
+              <a:ext uri="{FF2B5EF4-FFF2-40B4-BE49-F238E27FC236}">
+                <a16:creationId xmlns:a16="http://schemas.microsoft.com/office/drawing/2014/main" id="{AED971F8-839F-461A-82BC-F8A73DA2C424}"/>
+              </a:ext>
+            </a:extLst>
+          </p:cNvPr>
+          <p:cNvGrpSpPr/>
+          <p:nvPr/>
+        </p:nvGrpSpPr>
+        <p:grpSpPr>
+          <a:xfrm>
+            <a:off x="1906814" y="1682496"/>
+            <a:ext cx="8378372" cy="3708179"/>
+            <a:chOff x="773078" y="1682496"/>
+            <a:chExt cx="8378372" cy="3708179"/>
+          </a:xfrm>
+        </p:grpSpPr>
+        <mc:AlternateContent xmlns:mc="http://schemas.openxmlformats.org/markup-compatibility/2006">
+          <mc:Choice xmlns:a14="http://schemas.microsoft.com/office/drawing/2010/main" Requires="a14">
+            <p:sp>
+              <p:nvSpPr>
+                <p:cNvPr id="4" name="TextBox 3">
+                  <a:extLst>
+                    <a:ext uri="{FF2B5EF4-FFF2-40B4-BE49-F238E27FC236}">
+                      <a16:creationId xmlns:a16="http://schemas.microsoft.com/office/drawing/2014/main" id="{CF0F5512-B632-4883-9C4F-723C37488A47}"/>
+                    </a:ext>
+                  </a:extLst>
+                </p:cNvPr>
+                <p:cNvSpPr txBox="1"/>
+                <p:nvPr/>
+              </p:nvSpPr>
+              <p:spPr>
+                <a:xfrm>
+                  <a:off x="3966892" y="2216908"/>
+                  <a:ext cx="5184558" cy="2424190"/>
+                </a:xfrm>
+                <a:prstGeom prst="rect">
+                  <a:avLst/>
+                </a:prstGeom>
+                <a:noFill/>
+              </p:spPr>
+              <p:txBody>
+                <a:bodyPr wrap="square" rtlCol="0" anchor="ctr">
+                  <a:spAutoFit/>
+                </a:bodyPr>
+                <a:lstStyle/>
+                <a:p>
+                  <a:pPr/>
+                  <a14:m>
+                    <m:oMathPara xmlns:m="http://schemas.openxmlformats.org/officeDocument/2006/math">
+                      <m:oMathParaPr>
+                        <m:jc m:val="center"/>
+                      </m:oMathParaPr>
+                      <m:oMath xmlns:m="http://schemas.openxmlformats.org/officeDocument/2006/math">
+                        <m:r>
+                          <a:rPr lang="en-US" altLang="ko-KR" sz="6600" b="0" i="1" smtClean="0">
+                            <a:latin typeface="Cambria Math" panose="02040503050406030204" pitchFamily="18" charset="0"/>
+                          </a:rPr>
+                          <m:t>=</m:t>
+                        </m:r>
+                        <m:f>
+                          <m:fPr>
+                            <m:ctrlPr>
+                              <a:rPr lang="en-US" altLang="ko-KR" sz="6600" b="0" i="1" smtClean="0">
+                                <a:latin typeface="Cambria Math" panose="02040503050406030204" pitchFamily="18" charset="0"/>
+                              </a:rPr>
+                            </m:ctrlPr>
+                          </m:fPr>
+                          <m:num>
+                            <m:sSubSup>
+                              <m:sSubSupPr>
+                                <m:ctrlPr>
+                                  <a:rPr lang="en-US" altLang="ko-KR" sz="6600" b="0" i="1" smtClean="0">
+                                    <a:latin typeface="Cambria Math" panose="02040503050406030204" pitchFamily="18" charset="0"/>
+                                  </a:rPr>
+                                </m:ctrlPr>
+                              </m:sSubSupPr>
+                              <m:e>
+                                <m:r>
+                                  <m:rPr>
+                                    <m:sty m:val="p"/>
+                                  </m:rPr>
+                                  <a:rPr lang="en-US" altLang="ko-KR" sz="6600" b="0" i="1" smtClean="0">
+                                    <a:latin typeface="Cambria Math" panose="02040503050406030204" pitchFamily="18" charset="0"/>
+                                  </a:rPr>
+                                  <m:t>s</m:t>
+                                </m:r>
+                              </m:e>
+                              <m:sub>
+                                <m:r>
+                                  <a:rPr lang="en-US" altLang="ko-KR" sz="6600" b="0" i="1" smtClean="0">
+                                    <a:latin typeface="Cambria Math" panose="02040503050406030204" pitchFamily="18" charset="0"/>
+                                  </a:rPr>
+                                  <m:t>𝑏𝑒𝑡</m:t>
+                                </m:r>
+                              </m:sub>
+                              <m:sup>
+                                <m:r>
+                                  <a:rPr lang="en-US" altLang="ko-KR" sz="6600" b="0" i="1" smtClean="0">
+                                    <a:latin typeface="Cambria Math" panose="02040503050406030204" pitchFamily="18" charset="0"/>
+                                  </a:rPr>
+                                  <m:t>2</m:t>
+                                </m:r>
+                              </m:sup>
+                            </m:sSubSup>
+                          </m:num>
+                          <m:den>
+                            <m:sSubSup>
+                              <m:sSubSupPr>
+                                <m:ctrlPr>
+                                  <a:rPr lang="en-US" altLang="ko-KR" sz="6600" b="0" i="1" smtClean="0">
+                                    <a:latin typeface="Cambria Math" panose="02040503050406030204" pitchFamily="18" charset="0"/>
+                                    <a:ea typeface="+mj-ea"/>
+                                  </a:rPr>
+                                </m:ctrlPr>
+                              </m:sSubSupPr>
+                              <m:e>
+                                <m:r>
+                                  <a:rPr lang="en-US" altLang="ko-KR" sz="6600" b="0" i="1" smtClean="0">
+                                    <a:latin typeface="Cambria Math" panose="02040503050406030204" pitchFamily="18" charset="0"/>
+                                    <a:ea typeface="+mj-ea"/>
+                                  </a:rPr>
+                                  <m:t>𝑠</m:t>
+                                </m:r>
+                              </m:e>
+                              <m:sub>
+                                <m:r>
+                                  <a:rPr lang="en-US" altLang="ko-KR" sz="6600" b="0" i="1" smtClean="0">
+                                    <a:latin typeface="Cambria Math" panose="02040503050406030204" pitchFamily="18" charset="0"/>
+                                    <a:ea typeface="+mj-ea"/>
+                                  </a:rPr>
+                                  <m:t>𝑤𝑖𝑡</m:t>
+                                </m:r>
+                              </m:sub>
+                              <m:sup>
+                                <m:r>
+                                  <a:rPr lang="en-US" altLang="ko-KR" sz="6600" b="0" i="1" smtClean="0">
+                                    <a:latin typeface="Cambria Math" panose="02040503050406030204" pitchFamily="18" charset="0"/>
+                                    <a:ea typeface="+mj-ea"/>
+                                  </a:rPr>
+                                  <m:t>2</m:t>
+                                </m:r>
+                              </m:sup>
+                            </m:sSubSup>
+                          </m:den>
+                        </m:f>
+                      </m:oMath>
+                    </m:oMathPara>
+                  </a14:m>
+                  <a:endParaRPr lang="ko-KR" altLang="en-US" sz="6600" dirty="0"/>
+                </a:p>
+              </p:txBody>
+            </p:sp>
+          </mc:Choice>
+          <mc:Fallback>
+            <p:sp>
+              <p:nvSpPr>
+                <p:cNvPr id="4" name="TextBox 3">
+                  <a:extLst>
+                    <a:ext uri="{FF2B5EF4-FFF2-40B4-BE49-F238E27FC236}">
+                      <a16:creationId xmlns:a16="http://schemas.microsoft.com/office/drawing/2014/main" id="{CF0F5512-B632-4883-9C4F-723C37488A47}"/>
+                    </a:ext>
+                  </a:extLst>
+                </p:cNvPr>
+                <p:cNvSpPr txBox="1">
+                  <a:spLocks noRot="1" noChangeAspect="1" noMove="1" noResize="1" noEditPoints="1" noAdjustHandles="1" noChangeArrowheads="1" noChangeShapeType="1" noTextEdit="1"/>
+                </p:cNvSpPr>
+                <p:nvPr/>
+              </p:nvSpPr>
+              <p:spPr>
+                <a:xfrm>
+                  <a:off x="3966892" y="2216908"/>
+                  <a:ext cx="5184558" cy="2424190"/>
+                </a:xfrm>
+                <a:prstGeom prst="rect">
+                  <a:avLst/>
+                </a:prstGeom>
+                <a:blipFill>
+                  <a:blip r:embed="rId2"/>
+                  <a:stretch>
+                    <a:fillRect/>
+                  </a:stretch>
+                </a:blipFill>
+              </p:spPr>
+              <p:txBody>
+                <a:bodyPr/>
+                <a:lstStyle/>
+                <a:p>
+                  <a:r>
+                    <a:rPr lang="ko-KR" altLang="en-US">
+                      <a:noFill/>
+                    </a:rPr>
+                    <a:t> </a:t>
+                  </a:r>
+                </a:p>
+              </p:txBody>
+            </p:sp>
+          </mc:Fallback>
+        </mc:AlternateContent>
+        <p:sp>
+          <p:nvSpPr>
+            <p:cNvPr id="5" name="사각형: 둥근 모서리 4">
+              <a:extLst>
+                <a:ext uri="{FF2B5EF4-FFF2-40B4-BE49-F238E27FC236}">
+                  <a16:creationId xmlns:a16="http://schemas.microsoft.com/office/drawing/2014/main" id="{01315CE5-4186-48D4-8505-DFD4A91AA04B}"/>
+                </a:ext>
+              </a:extLst>
+            </p:cNvPr>
+            <p:cNvSpPr/>
+            <p:nvPr/>
+          </p:nvSpPr>
+          <p:spPr>
+            <a:xfrm>
+              <a:off x="6115891" y="2289015"/>
+              <a:ext cx="1773971" cy="1099814"/>
+            </a:xfrm>
+            <a:prstGeom prst="roundRect">
+              <a:avLst/>
+            </a:prstGeom>
+            <a:noFill/>
+            <a:ln w="38100">
+              <a:solidFill>
+                <a:schemeClr val="accent2"/>
+              </a:solidFill>
+              <a:prstDash val="dash"/>
+            </a:ln>
+          </p:spPr>
+          <p:style>
+            <a:lnRef idx="2">
+              <a:schemeClr val="accent1">
+                <a:shade val="50000"/>
+              </a:schemeClr>
+            </a:lnRef>
+            <a:fillRef idx="1">
+              <a:schemeClr val="accent1"/>
+            </a:fillRef>
+            <a:effectRef idx="0">
+              <a:schemeClr val="accent1"/>
+            </a:effectRef>
+            <a:fontRef idx="minor">
+              <a:schemeClr val="lt1"/>
+            </a:fontRef>
+          </p:style>
+          <p:txBody>
+            <a:bodyPr rtlCol="0" anchor="ctr"/>
+            <a:lstStyle/>
+            <a:p>
+              <a:pPr algn="ctr"/>
+              <a:endParaRPr lang="ko-KR" altLang="en-US"/>
+            </a:p>
+          </p:txBody>
+        </p:sp>
+        <p:sp>
+          <p:nvSpPr>
+            <p:cNvPr id="6" name="TextBox 5">
+              <a:extLst>
+                <a:ext uri="{FF2B5EF4-FFF2-40B4-BE49-F238E27FC236}">
+                  <a16:creationId xmlns:a16="http://schemas.microsoft.com/office/drawing/2014/main" id="{A9C93A4F-7C7E-4206-8EA7-B1D7A9D0CF1D}"/>
+                </a:ext>
+              </a:extLst>
+            </p:cNvPr>
+            <p:cNvSpPr txBox="1"/>
+            <p:nvPr/>
+          </p:nvSpPr>
+          <p:spPr>
+            <a:xfrm>
+              <a:off x="5041441" y="1682496"/>
+              <a:ext cx="3922869" cy="523220"/>
+            </a:xfrm>
+            <a:prstGeom prst="rect">
+              <a:avLst/>
+            </a:prstGeom>
+            <a:noFill/>
+          </p:spPr>
+          <p:txBody>
+            <a:bodyPr wrap="none" rtlCol="0">
+              <a:spAutoFit/>
+            </a:bodyPr>
+            <a:lstStyle/>
+            <a:p>
+              <a:r>
+                <a:rPr lang="ko-KR" altLang="en-US" sz="2800" dirty="0">
+                  <a:solidFill>
+                    <a:schemeClr val="accent2"/>
+                  </a:solidFill>
+                </a:rPr>
+                <a:t>표본 평균 간 퍼진 정도</a:t>
+              </a:r>
+            </a:p>
+          </p:txBody>
+        </p:sp>
+        <p:sp>
+          <p:nvSpPr>
+            <p:cNvPr id="7" name="사각형: 둥근 모서리 6">
+              <a:extLst>
+                <a:ext uri="{FF2B5EF4-FFF2-40B4-BE49-F238E27FC236}">
+                  <a16:creationId xmlns:a16="http://schemas.microsoft.com/office/drawing/2014/main" id="{728D169F-3DCD-4D03-A108-8727F144CF3B}"/>
+                </a:ext>
+              </a:extLst>
+            </p:cNvPr>
+            <p:cNvSpPr/>
+            <p:nvPr/>
+          </p:nvSpPr>
+          <p:spPr>
+            <a:xfrm>
+              <a:off x="6115893" y="3615186"/>
+              <a:ext cx="1773970" cy="1194929"/>
+            </a:xfrm>
+            <a:prstGeom prst="roundRect">
+              <a:avLst/>
+            </a:prstGeom>
+            <a:noFill/>
+            <a:ln w="38100">
+              <a:solidFill>
+                <a:schemeClr val="accent6"/>
+              </a:solidFill>
+              <a:prstDash val="dash"/>
+            </a:ln>
+          </p:spPr>
+          <p:style>
+            <a:lnRef idx="2">
+              <a:schemeClr val="accent1">
+                <a:shade val="50000"/>
+              </a:schemeClr>
+            </a:lnRef>
+            <a:fillRef idx="1">
+              <a:schemeClr val="accent1"/>
+            </a:fillRef>
+            <a:effectRef idx="0">
+              <a:schemeClr val="accent1"/>
+            </a:effectRef>
+            <a:fontRef idx="minor">
+              <a:schemeClr val="lt1"/>
+            </a:fontRef>
+          </p:style>
+          <p:txBody>
+            <a:bodyPr rtlCol="0" anchor="ctr"/>
+            <a:lstStyle/>
+            <a:p>
+              <a:pPr algn="ctr"/>
+              <a:endParaRPr lang="ko-KR" altLang="en-US"/>
+            </a:p>
+          </p:txBody>
+        </p:sp>
+        <p:sp>
+          <p:nvSpPr>
+            <p:cNvPr id="8" name="TextBox 7">
+              <a:extLst>
+                <a:ext uri="{FF2B5EF4-FFF2-40B4-BE49-F238E27FC236}">
+                  <a16:creationId xmlns:a16="http://schemas.microsoft.com/office/drawing/2014/main" id="{7C5AFAC2-A491-464B-A936-06173DC86AA8}"/>
+                </a:ext>
+              </a:extLst>
+            </p:cNvPr>
+            <p:cNvSpPr txBox="1"/>
+            <p:nvPr/>
+          </p:nvSpPr>
+          <p:spPr>
+            <a:xfrm>
+              <a:off x="5104762" y="4867455"/>
+              <a:ext cx="3796232" cy="523220"/>
+            </a:xfrm>
+            <a:prstGeom prst="rect">
+              <a:avLst/>
+            </a:prstGeom>
+            <a:noFill/>
+          </p:spPr>
+          <p:txBody>
+            <a:bodyPr wrap="none" rtlCol="0">
+              <a:spAutoFit/>
+            </a:bodyPr>
+            <a:lstStyle/>
+            <a:p>
+              <a:pPr algn="ctr"/>
+              <a:r>
+                <a:rPr lang="ko-KR" altLang="en-US" sz="2800" dirty="0">
+                  <a:solidFill>
+                    <a:schemeClr val="accent6"/>
+                  </a:solidFill>
+                </a:rPr>
+                <a:t>표본 내에서 퍼진 정도</a:t>
+              </a:r>
+            </a:p>
+          </p:txBody>
+        </p:sp>
+        <p:sp>
+          <p:nvSpPr>
+            <p:cNvPr id="9" name="TextBox 8">
+              <a:extLst>
+                <a:ext uri="{FF2B5EF4-FFF2-40B4-BE49-F238E27FC236}">
+                  <a16:creationId xmlns:a16="http://schemas.microsoft.com/office/drawing/2014/main" id="{B6D90B9B-8848-4B39-BA8B-38367815F141}"/>
+                </a:ext>
+              </a:extLst>
+            </p:cNvPr>
+            <p:cNvSpPr txBox="1"/>
+            <p:nvPr/>
+          </p:nvSpPr>
+          <p:spPr>
+            <a:xfrm>
+              <a:off x="773078" y="2789770"/>
+              <a:ext cx="4514377" cy="1384995"/>
+            </a:xfrm>
+            <a:prstGeom prst="rect">
+              <a:avLst/>
+            </a:prstGeom>
+            <a:noFill/>
+          </p:spPr>
+          <p:txBody>
+            <a:bodyPr wrap="none" rtlCol="0">
+              <a:spAutoFit/>
+            </a:bodyPr>
+            <a:lstStyle/>
+            <a:p>
+              <a:pPr algn="ctr"/>
+              <a:r>
+                <a:rPr lang="ko-KR" altLang="en-US" sz="2800" dirty="0">
+                  <a:solidFill>
+                    <a:schemeClr val="accent1"/>
+                  </a:solidFill>
+                </a:rPr>
+                <a:t>여러 표본 집단의</a:t>
+              </a:r>
+              <a:endParaRPr lang="en-US" altLang="ko-KR" sz="2800" dirty="0">
+                <a:solidFill>
+                  <a:schemeClr val="accent1"/>
+                </a:solidFill>
+              </a:endParaRPr>
+            </a:p>
+            <a:p>
+              <a:pPr algn="ctr"/>
+              <a:r>
+                <a:rPr lang="ko-KR" altLang="en-US" sz="2800" dirty="0">
+                  <a:solidFill>
+                    <a:schemeClr val="accent1"/>
+                  </a:solidFill>
+                </a:rPr>
+                <a:t>표본 평균이 차이가 난다는</a:t>
+              </a:r>
+              <a:endParaRPr lang="en-US" altLang="ko-KR" sz="2800" dirty="0">
+                <a:solidFill>
+                  <a:schemeClr val="accent1"/>
+                </a:solidFill>
+              </a:endParaRPr>
+            </a:p>
+            <a:p>
+              <a:pPr algn="ctr"/>
+              <a:r>
+                <a:rPr lang="ko-KR" altLang="en-US" sz="2800" dirty="0">
+                  <a:solidFill>
+                    <a:schemeClr val="accent1"/>
+                  </a:solidFill>
+                </a:rPr>
+                <a:t>통계적 지표</a:t>
+              </a:r>
+            </a:p>
+          </p:txBody>
+        </p:sp>
+      </p:grpSp>
+    </p:spTree>
+    <p:extLst>
+      <p:ext uri="{BB962C8B-B14F-4D97-AF65-F5344CB8AC3E}">
+        <p14:creationId xmlns:p14="http://schemas.microsoft.com/office/powerpoint/2010/main" val="4030810774"/>
+      </p:ext>
+    </p:extLst>
+  </p:cSld>
+  <p:clrMapOvr>
+    <a:masterClrMapping/>
+  </p:clrMapOvr>
+</p:sld>
+</file>
+
 <file path=ppt/theme/theme1.xml><?xml version="1.0" encoding="utf-8"?>
 <a:theme xmlns:a="http://schemas.openxmlformats.org/drawingml/2006/main" name="Office 테마">
   <a:themeElements>

--- a/pics/2020-02-29_ANOVA/pics.pptx
+++ b/pics/2020-02-29_ANOVA/pics.pptx
@@ -8,6 +8,7 @@
     <p:sldId id="256" r:id="rId2"/>
     <p:sldId id="257" r:id="rId3"/>
     <p:sldId id="258" r:id="rId4"/>
+    <p:sldId id="259" r:id="rId5"/>
   </p:sldIdLst>
   <p:sldSz cx="12192000" cy="6858000"/>
   <p:notesSz cx="6858000" cy="9144000"/>
@@ -261,7 +262,7 @@
           <a:p>
             <a:fld id="{C41A42D6-CA22-4985-B025-1990F1C66A54}" type="datetimeFigureOut">
               <a:rPr lang="ko-KR" altLang="en-US" smtClean="0"/>
-              <a:t>2020-03-01</a:t>
+              <a:t>2020-03-21</a:t>
             </a:fld>
             <a:endParaRPr lang="ko-KR" altLang="en-US"/>
           </a:p>
@@ -459,7 +460,7 @@
           <a:p>
             <a:fld id="{C41A42D6-CA22-4985-B025-1990F1C66A54}" type="datetimeFigureOut">
               <a:rPr lang="ko-KR" altLang="en-US" smtClean="0"/>
-              <a:t>2020-03-01</a:t>
+              <a:t>2020-03-21</a:t>
             </a:fld>
             <a:endParaRPr lang="ko-KR" altLang="en-US"/>
           </a:p>
@@ -667,7 +668,7 @@
           <a:p>
             <a:fld id="{C41A42D6-CA22-4985-B025-1990F1C66A54}" type="datetimeFigureOut">
               <a:rPr lang="ko-KR" altLang="en-US" smtClean="0"/>
-              <a:t>2020-03-01</a:t>
+              <a:t>2020-03-21</a:t>
             </a:fld>
             <a:endParaRPr lang="ko-KR" altLang="en-US"/>
           </a:p>
@@ -865,7 +866,7 @@
           <a:p>
             <a:fld id="{C41A42D6-CA22-4985-B025-1990F1C66A54}" type="datetimeFigureOut">
               <a:rPr lang="ko-KR" altLang="en-US" smtClean="0"/>
-              <a:t>2020-03-01</a:t>
+              <a:t>2020-03-21</a:t>
             </a:fld>
             <a:endParaRPr lang="ko-KR" altLang="en-US"/>
           </a:p>
@@ -1140,7 +1141,7 @@
           <a:p>
             <a:fld id="{C41A42D6-CA22-4985-B025-1990F1C66A54}" type="datetimeFigureOut">
               <a:rPr lang="ko-KR" altLang="en-US" smtClean="0"/>
-              <a:t>2020-03-01</a:t>
+              <a:t>2020-03-21</a:t>
             </a:fld>
             <a:endParaRPr lang="ko-KR" altLang="en-US"/>
           </a:p>
@@ -1405,7 +1406,7 @@
           <a:p>
             <a:fld id="{C41A42D6-CA22-4985-B025-1990F1C66A54}" type="datetimeFigureOut">
               <a:rPr lang="ko-KR" altLang="en-US" smtClean="0"/>
-              <a:t>2020-03-01</a:t>
+              <a:t>2020-03-21</a:t>
             </a:fld>
             <a:endParaRPr lang="ko-KR" altLang="en-US"/>
           </a:p>
@@ -1817,7 +1818,7 @@
           <a:p>
             <a:fld id="{C41A42D6-CA22-4985-B025-1990F1C66A54}" type="datetimeFigureOut">
               <a:rPr lang="ko-KR" altLang="en-US" smtClean="0"/>
-              <a:t>2020-03-01</a:t>
+              <a:t>2020-03-21</a:t>
             </a:fld>
             <a:endParaRPr lang="ko-KR" altLang="en-US"/>
           </a:p>
@@ -1958,7 +1959,7 @@
           <a:p>
             <a:fld id="{C41A42D6-CA22-4985-B025-1990F1C66A54}" type="datetimeFigureOut">
               <a:rPr lang="ko-KR" altLang="en-US" smtClean="0"/>
-              <a:t>2020-03-01</a:t>
+              <a:t>2020-03-21</a:t>
             </a:fld>
             <a:endParaRPr lang="ko-KR" altLang="en-US"/>
           </a:p>
@@ -2071,7 +2072,7 @@
           <a:p>
             <a:fld id="{C41A42D6-CA22-4985-B025-1990F1C66A54}" type="datetimeFigureOut">
               <a:rPr lang="ko-KR" altLang="en-US" smtClean="0"/>
-              <a:t>2020-03-01</a:t>
+              <a:t>2020-03-21</a:t>
             </a:fld>
             <a:endParaRPr lang="ko-KR" altLang="en-US"/>
           </a:p>
@@ -2382,7 +2383,7 @@
           <a:p>
             <a:fld id="{C41A42D6-CA22-4985-B025-1990F1C66A54}" type="datetimeFigureOut">
               <a:rPr lang="ko-KR" altLang="en-US" smtClean="0"/>
-              <a:t>2020-03-01</a:t>
+              <a:t>2020-03-21</a:t>
             </a:fld>
             <a:endParaRPr lang="ko-KR" altLang="en-US"/>
           </a:p>
@@ -2670,7 +2671,7 @@
           <a:p>
             <a:fld id="{C41A42D6-CA22-4985-B025-1990F1C66A54}" type="datetimeFigureOut">
               <a:rPr lang="ko-KR" altLang="en-US" smtClean="0"/>
-              <a:t>2020-03-01</a:t>
+              <a:t>2020-03-21</a:t>
             </a:fld>
             <a:endParaRPr lang="ko-KR" altLang="en-US"/>
           </a:p>
@@ -2911,7 +2912,7 @@
           <a:p>
             <a:fld id="{C41A42D6-CA22-4985-B025-1990F1C66A54}" type="datetimeFigureOut">
               <a:rPr lang="ko-KR" altLang="en-US" smtClean="0"/>
-              <a:t>2020-03-01</a:t>
+              <a:t>2020-03-21</a:t>
             </a:fld>
             <a:endParaRPr lang="ko-KR" altLang="en-US"/>
           </a:p>
@@ -10453,10 +10454,10 @@
       </p:grpSpPr>
       <p:grpSp>
         <p:nvGrpSpPr>
-          <p:cNvPr id="12" name="그룹 11">
-            <a:extLst>
-              <a:ext uri="{FF2B5EF4-FFF2-40B4-BE49-F238E27FC236}">
-                <a16:creationId xmlns:a16="http://schemas.microsoft.com/office/drawing/2014/main" id="{AED971F8-839F-461A-82BC-F8A73DA2C424}"/>
+          <p:cNvPr id="3" name="그룹 2">
+            <a:extLst>
+              <a:ext uri="{FF2B5EF4-FFF2-40B4-BE49-F238E27FC236}">
+                <a16:creationId xmlns:a16="http://schemas.microsoft.com/office/drawing/2014/main" id="{59E27F99-5B96-46C2-8031-E808C1CCD294}"/>
               </a:ext>
             </a:extLst>
           </p:cNvPr>
@@ -10465,14 +10466,14 @@
         </p:nvGrpSpPr>
         <p:grpSpPr>
           <a:xfrm>
-            <a:off x="1906814" y="1682496"/>
-            <a:ext cx="8378372" cy="3708179"/>
-            <a:chOff x="773078" y="1682496"/>
-            <a:chExt cx="8378372" cy="3708179"/>
+            <a:off x="2355574" y="1574911"/>
+            <a:ext cx="7480852" cy="3708179"/>
+            <a:chOff x="2617194" y="1682496"/>
+            <a:chExt cx="7480852" cy="3708179"/>
           </a:xfrm>
         </p:grpSpPr>
-        <mc:AlternateContent xmlns:mc="http://schemas.openxmlformats.org/markup-compatibility/2006">
-          <mc:Choice xmlns:a14="http://schemas.microsoft.com/office/drawing/2010/main" Requires="a14">
+        <mc:AlternateContent xmlns:mc="http://schemas.openxmlformats.org/markup-compatibility/2006" xmlns:a14="http://schemas.microsoft.com/office/drawing/2010/main">
+          <mc:Choice Requires="a14">
             <p:sp>
               <p:nvSpPr>
                 <p:cNvPr id="4" name="TextBox 3">
@@ -10487,7 +10488,7 @@
               </p:nvSpPr>
               <p:spPr>
                 <a:xfrm>
-                  <a:off x="3966892" y="2216908"/>
+                  <a:off x="4736645" y="2216908"/>
                   <a:ext cx="5184558" cy="2424190"/>
                 </a:xfrm>
                 <a:prstGeom prst="rect">
@@ -10508,6 +10509,12 @@
                         <m:jc m:val="center"/>
                       </m:oMathParaPr>
                       <m:oMath xmlns:m="http://schemas.openxmlformats.org/officeDocument/2006/math">
+                        <m:r>
+                          <a:rPr lang="en-US" altLang="ko-KR" sz="6600" b="0" i="1" smtClean="0">
+                            <a:latin typeface="Cambria Math" panose="02040503050406030204" pitchFamily="18" charset="0"/>
+                          </a:rPr>
+                          <m:t>𝐹</m:t>
+                        </m:r>
                         <m:r>
                           <a:rPr lang="en-US" altLang="ko-KR" sz="6600" b="0" i="1" smtClean="0">
                             <a:latin typeface="Cambria Math" panose="02040503050406030204" pitchFamily="18" charset="0"/>
@@ -10608,7 +10615,7 @@
               </p:txBody>
             </p:sp>
           </mc:Choice>
-          <mc:Fallback>
+          <mc:Fallback xmlns="">
             <p:sp>
               <p:nvSpPr>
                 <p:cNvPr id="4" name="TextBox 3">
@@ -10625,7 +10632,7 @@
               </p:nvSpPr>
               <p:spPr>
                 <a:xfrm>
-                  <a:off x="3966892" y="2216908"/>
+                  <a:off x="4736645" y="2216908"/>
                   <a:ext cx="5184558" cy="2424190"/>
                 </a:xfrm>
                 <a:prstGeom prst="rect">
@@ -10667,7 +10674,7 @@
           </p:nvSpPr>
           <p:spPr>
             <a:xfrm>
-              <a:off x="6115891" y="2289015"/>
+              <a:off x="7249627" y="2289015"/>
               <a:ext cx="1773971" cy="1099814"/>
             </a:xfrm>
             <a:prstGeom prst="roundRect">
@@ -10720,7 +10727,7 @@
           </p:nvSpPr>
           <p:spPr>
             <a:xfrm>
-              <a:off x="5041441" y="1682496"/>
+              <a:off x="6175177" y="1682496"/>
               <a:ext cx="3922869" cy="523220"/>
             </a:xfrm>
             <a:prstGeom prst="rect">
@@ -10759,7 +10766,7 @@
           </p:nvSpPr>
           <p:spPr>
             <a:xfrm>
-              <a:off x="6115893" y="3615186"/>
+              <a:off x="7249629" y="3615186"/>
               <a:ext cx="1773970" cy="1194929"/>
             </a:xfrm>
             <a:prstGeom prst="roundRect">
@@ -10812,7 +10819,7 @@
           </p:nvSpPr>
           <p:spPr>
             <a:xfrm>
-              <a:off x="5104762" y="4867455"/>
+              <a:off x="6238498" y="4867455"/>
               <a:ext cx="3796232" cy="523220"/>
             </a:xfrm>
             <a:prstGeom prst="rect">
@@ -10852,8 +10859,8 @@
           </p:nvSpPr>
           <p:spPr>
             <a:xfrm>
-              <a:off x="773078" y="2789770"/>
-              <a:ext cx="4514377" cy="1384995"/>
+              <a:off x="2617194" y="2648114"/>
+              <a:ext cx="2951449" cy="1384995"/>
             </a:xfrm>
             <a:prstGeom prst="rect">
               <a:avLst/>
@@ -10889,7 +10896,7 @@
                     <a:schemeClr val="accent1"/>
                   </a:solidFill>
                 </a:rPr>
-                <a:t>표본 평균이 차이가 난다는</a:t>
+                <a:t>차이에 관한</a:t>
               </a:r>
               <a:endParaRPr lang="en-US" altLang="ko-KR" sz="2800" dirty="0">
                 <a:solidFill>
@@ -10910,11 +10917,226 @@
             </a:p>
           </p:txBody>
         </p:sp>
+        <p:sp>
+          <p:nvSpPr>
+            <p:cNvPr id="2" name="타원 1">
+              <a:extLst>
+                <a:ext uri="{FF2B5EF4-FFF2-40B4-BE49-F238E27FC236}">
+                  <a16:creationId xmlns:a16="http://schemas.microsoft.com/office/drawing/2014/main" id="{A098A139-44B2-4C64-87E6-6A8E5C04D811}"/>
+                </a:ext>
+              </a:extLst>
+            </p:cNvPr>
+            <p:cNvSpPr/>
+            <p:nvPr/>
+          </p:nvSpPr>
+          <p:spPr>
+            <a:xfrm>
+              <a:off x="5510530" y="2889018"/>
+              <a:ext cx="1056443" cy="1194929"/>
+            </a:xfrm>
+            <a:prstGeom prst="ellipse">
+              <a:avLst/>
+            </a:prstGeom>
+            <a:noFill/>
+            <a:ln w="38100">
+              <a:solidFill>
+                <a:schemeClr val="accent5"/>
+              </a:solidFill>
+              <a:prstDash val="dash"/>
+            </a:ln>
+          </p:spPr>
+          <p:style>
+            <a:lnRef idx="2">
+              <a:schemeClr val="accent1">
+                <a:shade val="50000"/>
+              </a:schemeClr>
+            </a:lnRef>
+            <a:fillRef idx="1">
+              <a:schemeClr val="accent1"/>
+            </a:fillRef>
+            <a:effectRef idx="0">
+              <a:schemeClr val="accent1"/>
+            </a:effectRef>
+            <a:fontRef idx="minor">
+              <a:schemeClr val="lt1"/>
+            </a:fontRef>
+          </p:style>
+          <p:txBody>
+            <a:bodyPr rtlCol="0" anchor="ctr"/>
+            <a:lstStyle/>
+            <a:p>
+              <a:pPr algn="ctr"/>
+              <a:endParaRPr lang="ko-KR" altLang="en-US"/>
+            </a:p>
+          </p:txBody>
+        </p:sp>
       </p:grpSp>
     </p:spTree>
     <p:extLst>
       <p:ext uri="{BB962C8B-B14F-4D97-AF65-F5344CB8AC3E}">
         <p14:creationId xmlns:p14="http://schemas.microsoft.com/office/powerpoint/2010/main" val="4030810774"/>
+      </p:ext>
+    </p:extLst>
+  </p:cSld>
+  <p:clrMapOvr>
+    <a:masterClrMapping/>
+  </p:clrMapOvr>
+</p:sld>
+</file>
+
+<file path=ppt/slides/slide4.xml><?xml version="1.0" encoding="utf-8"?>
+<p:sld xmlns:a="http://schemas.openxmlformats.org/drawingml/2006/main" xmlns:r="http://schemas.openxmlformats.org/officeDocument/2006/relationships" xmlns:p="http://schemas.openxmlformats.org/presentationml/2006/main">
+  <p:cSld>
+    <p:spTree>
+      <p:nvGrpSpPr>
+        <p:cNvPr id="1" name=""/>
+        <p:cNvGrpSpPr/>
+        <p:nvPr/>
+      </p:nvGrpSpPr>
+      <p:grpSpPr>
+        <a:xfrm>
+          <a:off x="0" y="0"/>
+          <a:ext cx="0" cy="0"/>
+          <a:chOff x="0" y="0"/>
+          <a:chExt cx="0" cy="0"/>
+        </a:xfrm>
+      </p:grpSpPr>
+      <p:pic>
+        <p:nvPicPr>
+          <p:cNvPr id="5" name="그림 4">
+            <a:extLst>
+              <a:ext uri="{FF2B5EF4-FFF2-40B4-BE49-F238E27FC236}">
+                <a16:creationId xmlns:a16="http://schemas.microsoft.com/office/drawing/2014/main" id="{E5E13618-2C84-4C93-8104-4188F1FF4E2D}"/>
+              </a:ext>
+            </a:extLst>
+          </p:cNvPr>
+          <p:cNvPicPr>
+            <a:picLocks noChangeAspect="1"/>
+          </p:cNvPicPr>
+          <p:nvPr/>
+        </p:nvPicPr>
+        <p:blipFill>
+          <a:blip r:embed="rId2">
+            <a:extLst>
+              <a:ext uri="{28A0092B-C50C-407E-A947-70E740481C1C}">
+                <a14:useLocalDpi xmlns:a14="http://schemas.microsoft.com/office/drawing/2010/main" val="0"/>
+              </a:ext>
+            </a:extLst>
+          </a:blip>
+          <a:stretch>
+            <a:fillRect/>
+          </a:stretch>
+        </p:blipFill>
+        <p:spPr>
+          <a:xfrm>
+            <a:off x="0" y="976586"/>
+            <a:ext cx="12192000" cy="4904828"/>
+          </a:xfrm>
+          <a:prstGeom prst="rect">
+            <a:avLst/>
+          </a:prstGeom>
+        </p:spPr>
+      </p:pic>
+      <p:cxnSp>
+        <p:nvCxnSpPr>
+          <p:cNvPr id="7" name="직선 화살표 연결선 6">
+            <a:extLst>
+              <a:ext uri="{FF2B5EF4-FFF2-40B4-BE49-F238E27FC236}">
+                <a16:creationId xmlns:a16="http://schemas.microsoft.com/office/drawing/2014/main" id="{D33725F2-BE95-4D7C-B93A-8B2BB0A3D4F3}"/>
+              </a:ext>
+            </a:extLst>
+          </p:cNvPr>
+          <p:cNvCxnSpPr/>
+          <p:nvPr/>
+        </p:nvCxnSpPr>
+        <p:spPr>
+          <a:xfrm>
+            <a:off x="9969623" y="4323425"/>
+            <a:ext cx="0" cy="612559"/>
+          </a:xfrm>
+          <a:prstGeom prst="straightConnector1">
+            <a:avLst/>
+          </a:prstGeom>
+          <a:ln w="57150">
+            <a:solidFill>
+              <a:srgbClr val="FF0000"/>
+            </a:solidFill>
+            <a:tailEnd type="triangle"/>
+          </a:ln>
+        </p:spPr>
+        <p:style>
+          <a:lnRef idx="1">
+            <a:schemeClr val="accent1"/>
+          </a:lnRef>
+          <a:fillRef idx="0">
+            <a:schemeClr val="accent1"/>
+          </a:fillRef>
+          <a:effectRef idx="0">
+            <a:schemeClr val="accent1"/>
+          </a:effectRef>
+          <a:fontRef idx="minor">
+            <a:schemeClr val="tx1"/>
+          </a:fontRef>
+        </p:style>
+      </p:cxnSp>
+      <p:sp>
+        <p:nvSpPr>
+          <p:cNvPr id="8" name="TextBox 7">
+            <a:extLst>
+              <a:ext uri="{FF2B5EF4-FFF2-40B4-BE49-F238E27FC236}">
+                <a16:creationId xmlns:a16="http://schemas.microsoft.com/office/drawing/2014/main" id="{6E0909EE-D5AA-448E-91C2-1C9FC158B539}"/>
+              </a:ext>
+            </a:extLst>
+          </p:cNvPr>
+          <p:cNvSpPr txBox="1"/>
+          <p:nvPr/>
+        </p:nvSpPr>
+        <p:spPr>
+          <a:xfrm>
+            <a:off x="9019714" y="3668746"/>
+            <a:ext cx="1879361" cy="646331"/>
+          </a:xfrm>
+          <a:prstGeom prst="rect">
+            <a:avLst/>
+          </a:prstGeom>
+          <a:noFill/>
+          <a:ln w="28575">
+            <a:solidFill>
+              <a:srgbClr val="FF0000"/>
+            </a:solidFill>
+          </a:ln>
+        </p:spPr>
+        <p:txBody>
+          <a:bodyPr wrap="none" rtlCol="0">
+            <a:spAutoFit/>
+          </a:bodyPr>
+          <a:lstStyle/>
+          <a:p>
+            <a:pPr algn="ctr"/>
+            <a:r>
+              <a:rPr lang="ko-KR" altLang="en-US" dirty="0"/>
+              <a:t>시뮬레이션</a:t>
+            </a:r>
+            <a:endParaRPr lang="en-US" altLang="ko-KR" dirty="0"/>
+          </a:p>
+          <a:p>
+            <a:pPr algn="ctr"/>
+            <a:r>
+              <a:rPr lang="ko-KR" altLang="en-US" dirty="0"/>
+              <a:t>상위 </a:t>
+            </a:r>
+            <a:r>
+              <a:rPr lang="en-US" altLang="ko-KR" dirty="0"/>
+              <a:t>5% F-value</a:t>
+            </a:r>
+            <a:endParaRPr lang="ko-KR" altLang="en-US" dirty="0"/>
+          </a:p>
+        </p:txBody>
+      </p:sp>
+    </p:spTree>
+    <p:extLst>
+      <p:ext uri="{BB962C8B-B14F-4D97-AF65-F5344CB8AC3E}">
+        <p14:creationId xmlns:p14="http://schemas.microsoft.com/office/powerpoint/2010/main" val="151460971"/>
       </p:ext>
     </p:extLst>
   </p:cSld>

--- a/pics/2020-02-29_ANOVA/pics.pptx
+++ b/pics/2020-02-29_ANOVA/pics.pptx
@@ -8,7 +8,8 @@
     <p:sldId id="256" r:id="rId2"/>
     <p:sldId id="257" r:id="rId3"/>
     <p:sldId id="258" r:id="rId4"/>
-    <p:sldId id="259" r:id="rId5"/>
+    <p:sldId id="260" r:id="rId5"/>
+    <p:sldId id="259" r:id="rId6"/>
   </p:sldIdLst>
   <p:sldSz cx="12192000" cy="6858000"/>
   <p:notesSz cx="6858000" cy="9144000"/>
@@ -262,7 +263,7 @@
           <a:p>
             <a:fld id="{C41A42D6-CA22-4985-B025-1990F1C66A54}" type="datetimeFigureOut">
               <a:rPr lang="ko-KR" altLang="en-US" smtClean="0"/>
-              <a:t>2020-03-21</a:t>
+              <a:t>2023-04-24</a:t>
             </a:fld>
             <a:endParaRPr lang="ko-KR" altLang="en-US"/>
           </a:p>
@@ -460,7 +461,7 @@
           <a:p>
             <a:fld id="{C41A42D6-CA22-4985-B025-1990F1C66A54}" type="datetimeFigureOut">
               <a:rPr lang="ko-KR" altLang="en-US" smtClean="0"/>
-              <a:t>2020-03-21</a:t>
+              <a:t>2023-04-24</a:t>
             </a:fld>
             <a:endParaRPr lang="ko-KR" altLang="en-US"/>
           </a:p>
@@ -668,7 +669,7 @@
           <a:p>
             <a:fld id="{C41A42D6-CA22-4985-B025-1990F1C66A54}" type="datetimeFigureOut">
               <a:rPr lang="ko-KR" altLang="en-US" smtClean="0"/>
-              <a:t>2020-03-21</a:t>
+              <a:t>2023-04-24</a:t>
             </a:fld>
             <a:endParaRPr lang="ko-KR" altLang="en-US"/>
           </a:p>
@@ -866,7 +867,7 @@
           <a:p>
             <a:fld id="{C41A42D6-CA22-4985-B025-1990F1C66A54}" type="datetimeFigureOut">
               <a:rPr lang="ko-KR" altLang="en-US" smtClean="0"/>
-              <a:t>2020-03-21</a:t>
+              <a:t>2023-04-24</a:t>
             </a:fld>
             <a:endParaRPr lang="ko-KR" altLang="en-US"/>
           </a:p>
@@ -1141,7 +1142,7 @@
           <a:p>
             <a:fld id="{C41A42D6-CA22-4985-B025-1990F1C66A54}" type="datetimeFigureOut">
               <a:rPr lang="ko-KR" altLang="en-US" smtClean="0"/>
-              <a:t>2020-03-21</a:t>
+              <a:t>2023-04-24</a:t>
             </a:fld>
             <a:endParaRPr lang="ko-KR" altLang="en-US"/>
           </a:p>
@@ -1406,7 +1407,7 @@
           <a:p>
             <a:fld id="{C41A42D6-CA22-4985-B025-1990F1C66A54}" type="datetimeFigureOut">
               <a:rPr lang="ko-KR" altLang="en-US" smtClean="0"/>
-              <a:t>2020-03-21</a:t>
+              <a:t>2023-04-24</a:t>
             </a:fld>
             <a:endParaRPr lang="ko-KR" altLang="en-US"/>
           </a:p>
@@ -1818,7 +1819,7 @@
           <a:p>
             <a:fld id="{C41A42D6-CA22-4985-B025-1990F1C66A54}" type="datetimeFigureOut">
               <a:rPr lang="ko-KR" altLang="en-US" smtClean="0"/>
-              <a:t>2020-03-21</a:t>
+              <a:t>2023-04-24</a:t>
             </a:fld>
             <a:endParaRPr lang="ko-KR" altLang="en-US"/>
           </a:p>
@@ -1959,7 +1960,7 @@
           <a:p>
             <a:fld id="{C41A42D6-CA22-4985-B025-1990F1C66A54}" type="datetimeFigureOut">
               <a:rPr lang="ko-KR" altLang="en-US" smtClean="0"/>
-              <a:t>2020-03-21</a:t>
+              <a:t>2023-04-24</a:t>
             </a:fld>
             <a:endParaRPr lang="ko-KR" altLang="en-US"/>
           </a:p>
@@ -2072,7 +2073,7 @@
           <a:p>
             <a:fld id="{C41A42D6-CA22-4985-B025-1990F1C66A54}" type="datetimeFigureOut">
               <a:rPr lang="ko-KR" altLang="en-US" smtClean="0"/>
-              <a:t>2020-03-21</a:t>
+              <a:t>2023-04-24</a:t>
             </a:fld>
             <a:endParaRPr lang="ko-KR" altLang="en-US"/>
           </a:p>
@@ -2383,7 +2384,7 @@
           <a:p>
             <a:fld id="{C41A42D6-CA22-4985-B025-1990F1C66A54}" type="datetimeFigureOut">
               <a:rPr lang="ko-KR" altLang="en-US" smtClean="0"/>
-              <a:t>2020-03-21</a:t>
+              <a:t>2023-04-24</a:t>
             </a:fld>
             <a:endParaRPr lang="ko-KR" altLang="en-US"/>
           </a:p>
@@ -2671,7 +2672,7 @@
           <a:p>
             <a:fld id="{C41A42D6-CA22-4985-B025-1990F1C66A54}" type="datetimeFigureOut">
               <a:rPr lang="ko-KR" altLang="en-US" smtClean="0"/>
-              <a:t>2020-03-21</a:t>
+              <a:t>2023-04-24</a:t>
             </a:fld>
             <a:endParaRPr lang="ko-KR" altLang="en-US"/>
           </a:p>
@@ -2912,7 +2913,7 @@
           <a:p>
             <a:fld id="{C41A42D6-CA22-4985-B025-1990F1C66A54}" type="datetimeFigureOut">
               <a:rPr lang="ko-KR" altLang="en-US" smtClean="0"/>
-              <a:t>2020-03-21</a:t>
+              <a:t>2023-04-24</a:t>
             </a:fld>
             <a:endParaRPr lang="ko-KR" altLang="en-US"/>
           </a:p>
@@ -11001,6 +11002,556 @@
           <a:chExt cx="0" cy="0"/>
         </a:xfrm>
       </p:grpSpPr>
+      <p:grpSp>
+        <p:nvGrpSpPr>
+          <p:cNvPr id="11" name="Group 10">
+            <a:extLst>
+              <a:ext uri="{FF2B5EF4-FFF2-40B4-BE49-F238E27FC236}">
+                <a16:creationId xmlns:a16="http://schemas.microsoft.com/office/drawing/2014/main" id="{3871644E-2386-CAF6-249F-F7D06E07240E}"/>
+              </a:ext>
+            </a:extLst>
+          </p:cNvPr>
+          <p:cNvGrpSpPr/>
+          <p:nvPr/>
+        </p:nvGrpSpPr>
+        <p:grpSpPr>
+          <a:xfrm>
+            <a:off x="1232469" y="1483556"/>
+            <a:ext cx="9727062" cy="3799534"/>
+            <a:chOff x="1391833" y="1483556"/>
+            <a:chExt cx="9727062" cy="3799534"/>
+          </a:xfrm>
+        </p:grpSpPr>
+        <mc:AlternateContent xmlns:mc="http://schemas.openxmlformats.org/markup-compatibility/2006">
+          <mc:Choice xmlns:a14="http://schemas.microsoft.com/office/drawing/2010/main" Requires="a14">
+            <p:sp>
+              <p:nvSpPr>
+                <p:cNvPr id="4" name="TextBox 3">
+                  <a:extLst>
+                    <a:ext uri="{FF2B5EF4-FFF2-40B4-BE49-F238E27FC236}">
+                      <a16:creationId xmlns:a16="http://schemas.microsoft.com/office/drawing/2014/main" id="{CF0F5512-B632-4883-9C4F-723C37488A47}"/>
+                    </a:ext>
+                  </a:extLst>
+                </p:cNvPr>
+                <p:cNvSpPr txBox="1"/>
+                <p:nvPr/>
+              </p:nvSpPr>
+              <p:spPr>
+                <a:xfrm>
+                  <a:off x="4475025" y="2109323"/>
+                  <a:ext cx="5184558" cy="2424190"/>
+                </a:xfrm>
+                <a:prstGeom prst="rect">
+                  <a:avLst/>
+                </a:prstGeom>
+                <a:noFill/>
+              </p:spPr>
+              <p:txBody>
+                <a:bodyPr wrap="square" rtlCol="0" anchor="ctr">
+                  <a:spAutoFit/>
+                </a:bodyPr>
+                <a:lstStyle/>
+                <a:p>
+                  <a:pPr/>
+                  <a14:m>
+                    <m:oMathPara xmlns:m="http://schemas.openxmlformats.org/officeDocument/2006/math">
+                      <m:oMathParaPr>
+                        <m:jc m:val="center"/>
+                      </m:oMathParaPr>
+                      <m:oMath xmlns:m="http://schemas.openxmlformats.org/officeDocument/2006/math">
+                        <m:r>
+                          <a:rPr lang="en-US" altLang="ko-KR" sz="6600" b="0" i="1" smtClean="0">
+                            <a:latin typeface="Cambria Math" panose="02040503050406030204" pitchFamily="18" charset="0"/>
+                          </a:rPr>
+                          <m:t>𝐹</m:t>
+                        </m:r>
+                        <m:r>
+                          <a:rPr lang="en-US" altLang="ko-KR" sz="6600" b="0" i="1" smtClean="0">
+                            <a:latin typeface="Cambria Math" panose="02040503050406030204" pitchFamily="18" charset="0"/>
+                          </a:rPr>
+                          <m:t>=</m:t>
+                        </m:r>
+                        <m:f>
+                          <m:fPr>
+                            <m:ctrlPr>
+                              <a:rPr lang="en-US" altLang="ko-KR" sz="6600" b="0" i="1" smtClean="0">
+                                <a:latin typeface="Cambria Math" panose="02040503050406030204" pitchFamily="18" charset="0"/>
+                              </a:rPr>
+                            </m:ctrlPr>
+                          </m:fPr>
+                          <m:num>
+                            <m:sSubSup>
+                              <m:sSubSupPr>
+                                <m:ctrlPr>
+                                  <a:rPr lang="en-US" altLang="ko-KR" sz="6600" b="0" i="1" smtClean="0">
+                                    <a:latin typeface="Cambria Math" panose="02040503050406030204" pitchFamily="18" charset="0"/>
+                                  </a:rPr>
+                                </m:ctrlPr>
+                              </m:sSubSupPr>
+                              <m:e>
+                                <m:r>
+                                  <m:rPr>
+                                    <m:sty m:val="p"/>
+                                  </m:rPr>
+                                  <a:rPr lang="en-US" altLang="ko-KR" sz="6600" b="0" i="1" smtClean="0">
+                                    <a:latin typeface="Cambria Math" panose="02040503050406030204" pitchFamily="18" charset="0"/>
+                                  </a:rPr>
+                                  <m:t>s</m:t>
+                                </m:r>
+                              </m:e>
+                              <m:sub>
+                                <m:r>
+                                  <a:rPr lang="en-US" altLang="ko-KR" sz="6600" b="0" i="1" smtClean="0">
+                                    <a:latin typeface="Cambria Math" panose="02040503050406030204" pitchFamily="18" charset="0"/>
+                                  </a:rPr>
+                                  <m:t>𝑏𝑒𝑡</m:t>
+                                </m:r>
+                              </m:sub>
+                              <m:sup>
+                                <m:r>
+                                  <a:rPr lang="en-US" altLang="ko-KR" sz="6600" b="0" i="1" smtClean="0">
+                                    <a:latin typeface="Cambria Math" panose="02040503050406030204" pitchFamily="18" charset="0"/>
+                                  </a:rPr>
+                                  <m:t>2</m:t>
+                                </m:r>
+                              </m:sup>
+                            </m:sSubSup>
+                          </m:num>
+                          <m:den>
+                            <m:sSubSup>
+                              <m:sSubSupPr>
+                                <m:ctrlPr>
+                                  <a:rPr lang="en-US" altLang="ko-KR" sz="6600" b="0" i="1" smtClean="0">
+                                    <a:latin typeface="Cambria Math" panose="02040503050406030204" pitchFamily="18" charset="0"/>
+                                    <a:ea typeface="+mj-ea"/>
+                                  </a:rPr>
+                                </m:ctrlPr>
+                              </m:sSubSupPr>
+                              <m:e>
+                                <m:r>
+                                  <a:rPr lang="en-US" altLang="ko-KR" sz="6600" b="0" i="1" smtClean="0">
+                                    <a:latin typeface="Cambria Math" panose="02040503050406030204" pitchFamily="18" charset="0"/>
+                                    <a:ea typeface="+mj-ea"/>
+                                  </a:rPr>
+                                  <m:t>𝑠</m:t>
+                                </m:r>
+                              </m:e>
+                              <m:sub>
+                                <m:r>
+                                  <a:rPr lang="en-US" altLang="ko-KR" sz="6600" b="0" i="1" smtClean="0">
+                                    <a:latin typeface="Cambria Math" panose="02040503050406030204" pitchFamily="18" charset="0"/>
+                                    <a:ea typeface="+mj-ea"/>
+                                  </a:rPr>
+                                  <m:t>𝑤𝑖𝑡</m:t>
+                                </m:r>
+                              </m:sub>
+                              <m:sup>
+                                <m:r>
+                                  <a:rPr lang="en-US" altLang="ko-KR" sz="6600" b="0" i="1" smtClean="0">
+                                    <a:latin typeface="Cambria Math" panose="02040503050406030204" pitchFamily="18" charset="0"/>
+                                    <a:ea typeface="+mj-ea"/>
+                                  </a:rPr>
+                                  <m:t>2</m:t>
+                                </m:r>
+                              </m:sup>
+                            </m:sSubSup>
+                          </m:den>
+                        </m:f>
+                      </m:oMath>
+                    </m:oMathPara>
+                  </a14:m>
+                  <a:endParaRPr lang="ko-KR" altLang="en-US" sz="6600" dirty="0"/>
+                </a:p>
+              </p:txBody>
+            </p:sp>
+          </mc:Choice>
+          <mc:Fallback>
+            <p:sp>
+              <p:nvSpPr>
+                <p:cNvPr id="4" name="TextBox 3">
+                  <a:extLst>
+                    <a:ext uri="{FF2B5EF4-FFF2-40B4-BE49-F238E27FC236}">
+                      <a16:creationId xmlns:a16="http://schemas.microsoft.com/office/drawing/2014/main" id="{CF0F5512-B632-4883-9C4F-723C37488A47}"/>
+                    </a:ext>
+                  </a:extLst>
+                </p:cNvPr>
+                <p:cNvSpPr txBox="1">
+                  <a:spLocks noRot="1" noChangeAspect="1" noMove="1" noResize="1" noEditPoints="1" noAdjustHandles="1" noChangeArrowheads="1" noChangeShapeType="1" noTextEdit="1"/>
+                </p:cNvSpPr>
+                <p:nvPr/>
+              </p:nvSpPr>
+              <p:spPr>
+                <a:xfrm>
+                  <a:off x="4475025" y="2109323"/>
+                  <a:ext cx="5184558" cy="2424190"/>
+                </a:xfrm>
+                <a:prstGeom prst="rect">
+                  <a:avLst/>
+                </a:prstGeom>
+                <a:blipFill>
+                  <a:blip r:embed="rId2"/>
+                  <a:stretch>
+                    <a:fillRect/>
+                  </a:stretch>
+                </a:blipFill>
+              </p:spPr>
+              <p:txBody>
+                <a:bodyPr/>
+                <a:lstStyle/>
+                <a:p>
+                  <a:r>
+                    <a:rPr lang="en-US">
+                      <a:noFill/>
+                    </a:rPr>
+                    <a:t> </a:t>
+                  </a:r>
+                </a:p>
+              </p:txBody>
+            </p:sp>
+          </mc:Fallback>
+        </mc:AlternateContent>
+        <p:sp>
+          <p:nvSpPr>
+            <p:cNvPr id="5" name="사각형: 둥근 모서리 4">
+              <a:extLst>
+                <a:ext uri="{FF2B5EF4-FFF2-40B4-BE49-F238E27FC236}">
+                  <a16:creationId xmlns:a16="http://schemas.microsoft.com/office/drawing/2014/main" id="{01315CE5-4186-48D4-8505-DFD4A91AA04B}"/>
+                </a:ext>
+              </a:extLst>
+            </p:cNvPr>
+            <p:cNvSpPr/>
+            <p:nvPr/>
+          </p:nvSpPr>
+          <p:spPr>
+            <a:xfrm>
+              <a:off x="6988007" y="2181430"/>
+              <a:ext cx="1773971" cy="1099814"/>
+            </a:xfrm>
+            <a:prstGeom prst="roundRect">
+              <a:avLst/>
+            </a:prstGeom>
+            <a:noFill/>
+            <a:ln w="38100">
+              <a:solidFill>
+                <a:schemeClr val="accent2"/>
+              </a:solidFill>
+              <a:prstDash val="dash"/>
+            </a:ln>
+          </p:spPr>
+          <p:style>
+            <a:lnRef idx="2">
+              <a:schemeClr val="accent1">
+                <a:shade val="50000"/>
+              </a:schemeClr>
+            </a:lnRef>
+            <a:fillRef idx="1">
+              <a:schemeClr val="accent1"/>
+            </a:fillRef>
+            <a:effectRef idx="0">
+              <a:schemeClr val="accent1"/>
+            </a:effectRef>
+            <a:fontRef idx="minor">
+              <a:schemeClr val="lt1"/>
+            </a:fontRef>
+          </p:style>
+          <p:txBody>
+            <a:bodyPr rtlCol="0" anchor="ctr"/>
+            <a:lstStyle/>
+            <a:p>
+              <a:pPr algn="ctr"/>
+              <a:endParaRPr lang="ko-KR" altLang="en-US"/>
+            </a:p>
+          </p:txBody>
+        </p:sp>
+        <p:sp>
+          <p:nvSpPr>
+            <p:cNvPr id="6" name="TextBox 5">
+              <a:extLst>
+                <a:ext uri="{FF2B5EF4-FFF2-40B4-BE49-F238E27FC236}">
+                  <a16:creationId xmlns:a16="http://schemas.microsoft.com/office/drawing/2014/main" id="{A9C93A4F-7C7E-4206-8EA7-B1D7A9D0CF1D}"/>
+                </a:ext>
+              </a:extLst>
+            </p:cNvPr>
+            <p:cNvSpPr txBox="1"/>
+            <p:nvPr/>
+          </p:nvSpPr>
+          <p:spPr>
+            <a:xfrm>
+              <a:off x="4475025" y="1483556"/>
+              <a:ext cx="6643870" cy="523220"/>
+            </a:xfrm>
+            <a:prstGeom prst="rect">
+              <a:avLst/>
+            </a:prstGeom>
+            <a:noFill/>
+          </p:spPr>
+          <p:txBody>
+            <a:bodyPr wrap="none" rtlCol="0">
+              <a:spAutoFit/>
+            </a:bodyPr>
+            <a:lstStyle/>
+            <a:p>
+              <a:pPr algn="ctr"/>
+              <a:r>
+                <a:rPr lang="en-US" altLang="ko-KR" sz="2800" dirty="0">
+                  <a:solidFill>
+                    <a:schemeClr val="accent2"/>
+                  </a:solidFill>
+                </a:rPr>
+                <a:t>The dispersion between Sample Means</a:t>
+              </a:r>
+            </a:p>
+          </p:txBody>
+        </p:sp>
+        <p:sp>
+          <p:nvSpPr>
+            <p:cNvPr id="7" name="사각형: 둥근 모서리 6">
+              <a:extLst>
+                <a:ext uri="{FF2B5EF4-FFF2-40B4-BE49-F238E27FC236}">
+                  <a16:creationId xmlns:a16="http://schemas.microsoft.com/office/drawing/2014/main" id="{728D169F-3DCD-4D03-A108-8727F144CF3B}"/>
+                </a:ext>
+              </a:extLst>
+            </p:cNvPr>
+            <p:cNvSpPr/>
+            <p:nvPr/>
+          </p:nvSpPr>
+          <p:spPr>
+            <a:xfrm>
+              <a:off x="6988009" y="3507601"/>
+              <a:ext cx="1773970" cy="1194929"/>
+            </a:xfrm>
+            <a:prstGeom prst="roundRect">
+              <a:avLst/>
+            </a:prstGeom>
+            <a:noFill/>
+            <a:ln w="38100">
+              <a:solidFill>
+                <a:schemeClr val="accent6"/>
+              </a:solidFill>
+              <a:prstDash val="dash"/>
+            </a:ln>
+          </p:spPr>
+          <p:style>
+            <a:lnRef idx="2">
+              <a:schemeClr val="accent1">
+                <a:shade val="50000"/>
+              </a:schemeClr>
+            </a:lnRef>
+            <a:fillRef idx="1">
+              <a:schemeClr val="accent1"/>
+            </a:fillRef>
+            <a:effectRef idx="0">
+              <a:schemeClr val="accent1"/>
+            </a:effectRef>
+            <a:fontRef idx="minor">
+              <a:schemeClr val="lt1"/>
+            </a:fontRef>
+          </p:style>
+          <p:txBody>
+            <a:bodyPr rtlCol="0" anchor="ctr"/>
+            <a:lstStyle/>
+            <a:p>
+              <a:pPr algn="ctr"/>
+              <a:endParaRPr lang="ko-KR" altLang="en-US"/>
+            </a:p>
+          </p:txBody>
+        </p:sp>
+        <p:sp>
+          <p:nvSpPr>
+            <p:cNvPr id="8" name="TextBox 7">
+              <a:extLst>
+                <a:ext uri="{FF2B5EF4-FFF2-40B4-BE49-F238E27FC236}">
+                  <a16:creationId xmlns:a16="http://schemas.microsoft.com/office/drawing/2014/main" id="{7C5AFAC2-A491-464B-A936-06173DC86AA8}"/>
+                </a:ext>
+              </a:extLst>
+            </p:cNvPr>
+            <p:cNvSpPr txBox="1"/>
+            <p:nvPr/>
+          </p:nvSpPr>
+          <p:spPr>
+            <a:xfrm>
+              <a:off x="4766233" y="4759870"/>
+              <a:ext cx="6217536" cy="523220"/>
+            </a:xfrm>
+            <a:prstGeom prst="rect">
+              <a:avLst/>
+            </a:prstGeom>
+            <a:noFill/>
+          </p:spPr>
+          <p:txBody>
+            <a:bodyPr wrap="none" rtlCol="0">
+              <a:spAutoFit/>
+            </a:bodyPr>
+            <a:lstStyle/>
+            <a:p>
+              <a:pPr algn="ctr"/>
+              <a:r>
+                <a:rPr lang="en-US" altLang="ko-KR" sz="2800" dirty="0">
+                  <a:solidFill>
+                    <a:schemeClr val="accent6"/>
+                  </a:solidFill>
+                </a:rPr>
+                <a:t>The dispersion within sample groups</a:t>
+              </a:r>
+              <a:endParaRPr lang="ko-KR" altLang="en-US" sz="2800" dirty="0">
+                <a:solidFill>
+                  <a:schemeClr val="accent6"/>
+                </a:solidFill>
+              </a:endParaRPr>
+            </a:p>
+          </p:txBody>
+        </p:sp>
+        <p:sp>
+          <p:nvSpPr>
+            <p:cNvPr id="9" name="TextBox 8">
+              <a:extLst>
+                <a:ext uri="{FF2B5EF4-FFF2-40B4-BE49-F238E27FC236}">
+                  <a16:creationId xmlns:a16="http://schemas.microsoft.com/office/drawing/2014/main" id="{B6D90B9B-8848-4B39-BA8B-38367815F141}"/>
+                </a:ext>
+              </a:extLst>
+            </p:cNvPr>
+            <p:cNvSpPr txBox="1"/>
+            <p:nvPr/>
+          </p:nvSpPr>
+          <p:spPr>
+            <a:xfrm>
+              <a:off x="1391833" y="2736502"/>
+              <a:ext cx="4046043" cy="1384995"/>
+            </a:xfrm>
+            <a:prstGeom prst="rect">
+              <a:avLst/>
+            </a:prstGeom>
+            <a:noFill/>
+          </p:spPr>
+          <p:txBody>
+            <a:bodyPr wrap="none" rtlCol="0">
+              <a:spAutoFit/>
+            </a:bodyPr>
+            <a:lstStyle/>
+            <a:p>
+              <a:pPr algn="ctr"/>
+              <a:r>
+                <a:rPr lang="en-US" altLang="ko-KR" sz="2800" dirty="0">
+                  <a:solidFill>
+                    <a:schemeClr val="accent1"/>
+                  </a:solidFill>
+                </a:rPr>
+                <a:t>A statistical metric</a:t>
+              </a:r>
+            </a:p>
+            <a:p>
+              <a:pPr algn="ctr"/>
+              <a:r>
+                <a:rPr lang="en-US" altLang="ko-KR" sz="2800" dirty="0">
+                  <a:solidFill>
+                    <a:schemeClr val="accent1"/>
+                  </a:solidFill>
+                </a:rPr>
+                <a:t>on difference of</a:t>
+              </a:r>
+            </a:p>
+            <a:p>
+              <a:pPr algn="ctr"/>
+              <a:r>
+                <a:rPr lang="en-US" altLang="ko-KR" sz="2800" dirty="0">
+                  <a:solidFill>
+                    <a:schemeClr val="accent1"/>
+                  </a:solidFill>
+                </a:rPr>
+                <a:t>multiple sample groups</a:t>
+              </a:r>
+              <a:endParaRPr lang="ko-KR" altLang="en-US" sz="2800" dirty="0">
+                <a:solidFill>
+                  <a:schemeClr val="accent1"/>
+                </a:solidFill>
+              </a:endParaRPr>
+            </a:p>
+          </p:txBody>
+        </p:sp>
+        <p:sp>
+          <p:nvSpPr>
+            <p:cNvPr id="2" name="타원 1">
+              <a:extLst>
+                <a:ext uri="{FF2B5EF4-FFF2-40B4-BE49-F238E27FC236}">
+                  <a16:creationId xmlns:a16="http://schemas.microsoft.com/office/drawing/2014/main" id="{A098A139-44B2-4C64-87E6-6A8E5C04D811}"/>
+                </a:ext>
+              </a:extLst>
+            </p:cNvPr>
+            <p:cNvSpPr/>
+            <p:nvPr/>
+          </p:nvSpPr>
+          <p:spPr>
+            <a:xfrm>
+              <a:off x="5248910" y="2781433"/>
+              <a:ext cx="1056443" cy="1194929"/>
+            </a:xfrm>
+            <a:prstGeom prst="ellipse">
+              <a:avLst/>
+            </a:prstGeom>
+            <a:noFill/>
+            <a:ln w="38100">
+              <a:solidFill>
+                <a:schemeClr val="accent5"/>
+              </a:solidFill>
+              <a:prstDash val="dash"/>
+            </a:ln>
+          </p:spPr>
+          <p:style>
+            <a:lnRef idx="2">
+              <a:schemeClr val="accent1">
+                <a:shade val="50000"/>
+              </a:schemeClr>
+            </a:lnRef>
+            <a:fillRef idx="1">
+              <a:schemeClr val="accent1"/>
+            </a:fillRef>
+            <a:effectRef idx="0">
+              <a:schemeClr val="accent1"/>
+            </a:effectRef>
+            <a:fontRef idx="minor">
+              <a:schemeClr val="lt1"/>
+            </a:fontRef>
+          </p:style>
+          <p:txBody>
+            <a:bodyPr rtlCol="0" anchor="ctr"/>
+            <a:lstStyle/>
+            <a:p>
+              <a:pPr algn="ctr"/>
+              <a:endParaRPr lang="ko-KR" altLang="en-US"/>
+            </a:p>
+          </p:txBody>
+        </p:sp>
+      </p:grpSp>
+    </p:spTree>
+    <p:extLst>
+      <p:ext uri="{BB962C8B-B14F-4D97-AF65-F5344CB8AC3E}">
+        <p14:creationId xmlns:p14="http://schemas.microsoft.com/office/powerpoint/2010/main" val="2618667316"/>
+      </p:ext>
+    </p:extLst>
+  </p:cSld>
+  <p:clrMapOvr>
+    <a:masterClrMapping/>
+  </p:clrMapOvr>
+</p:sld>
+</file>
+
+<file path=ppt/slides/slide5.xml><?xml version="1.0" encoding="utf-8"?>
+<p:sld xmlns:a="http://schemas.openxmlformats.org/drawingml/2006/main" xmlns:r="http://schemas.openxmlformats.org/officeDocument/2006/relationships" xmlns:p="http://schemas.openxmlformats.org/presentationml/2006/main">
+  <p:cSld>
+    <p:spTree>
+      <p:nvGrpSpPr>
+        <p:cNvPr id="1" name=""/>
+        <p:cNvGrpSpPr/>
+        <p:nvPr/>
+      </p:nvGrpSpPr>
+      <p:grpSpPr>
+        <a:xfrm>
+          <a:off x="0" y="0"/>
+          <a:ext cx="0" cy="0"/>
+          <a:chOff x="0" y="0"/>
+          <a:chExt cx="0" cy="0"/>
+        </a:xfrm>
+      </p:grpSpPr>
       <p:pic>
         <p:nvPicPr>
           <p:cNvPr id="5" name="그림 4">

--- a/pics/2020-02-29_ANOVA/pics.pptx
+++ b/pics/2020-02-29_ANOVA/pics.pptx
@@ -7,9 +7,12 @@
   <p:sldIdLst>
     <p:sldId id="256" r:id="rId2"/>
     <p:sldId id="257" r:id="rId3"/>
-    <p:sldId id="258" r:id="rId4"/>
-    <p:sldId id="260" r:id="rId5"/>
-    <p:sldId id="259" r:id="rId6"/>
+    <p:sldId id="261" r:id="rId4"/>
+    <p:sldId id="262" r:id="rId5"/>
+    <p:sldId id="258" r:id="rId6"/>
+    <p:sldId id="260" r:id="rId7"/>
+    <p:sldId id="259" r:id="rId8"/>
+    <p:sldId id="263" r:id="rId9"/>
   </p:sldIdLst>
   <p:sldSz cx="12192000" cy="6858000"/>
   <p:notesSz cx="6858000" cy="9144000"/>
@@ -10437,6 +10440,126 @@
 </file>
 
 <file path=ppt/slides/slide3.xml><?xml version="1.0" encoding="utf-8"?>
+<p:sld xmlns:a="http://schemas.openxmlformats.org/drawingml/2006/main" xmlns:r="http://schemas.openxmlformats.org/officeDocument/2006/relationships" xmlns:p="http://schemas.openxmlformats.org/presentationml/2006/main">
+  <p:cSld>
+    <p:spTree>
+      <p:nvGrpSpPr>
+        <p:cNvPr id="1" name=""/>
+        <p:cNvGrpSpPr/>
+        <p:nvPr/>
+      </p:nvGrpSpPr>
+      <p:grpSpPr>
+        <a:xfrm>
+          <a:off x="0" y="0"/>
+          <a:ext cx="0" cy="0"/>
+          <a:chOff x="0" y="0"/>
+          <a:chExt cx="0" cy="0"/>
+        </a:xfrm>
+      </p:grpSpPr>
+      <p:pic>
+        <p:nvPicPr>
+          <p:cNvPr id="5" name="Picture 4">
+            <a:extLst>
+              <a:ext uri="{FF2B5EF4-FFF2-40B4-BE49-F238E27FC236}">
+                <a16:creationId xmlns:a16="http://schemas.microsoft.com/office/drawing/2014/main" id="{94E73741-6A8B-9891-0910-84427CEE28DC}"/>
+              </a:ext>
+            </a:extLst>
+          </p:cNvPr>
+          <p:cNvPicPr>
+            <a:picLocks noChangeAspect="1"/>
+          </p:cNvPicPr>
+          <p:nvPr/>
+        </p:nvPicPr>
+        <p:blipFill>
+          <a:blip r:embed="rId2"/>
+          <a:stretch>
+            <a:fillRect/>
+          </a:stretch>
+        </p:blipFill>
+        <p:spPr>
+          <a:xfrm>
+            <a:off x="3429000" y="1428750"/>
+            <a:ext cx="5334000" cy="4000500"/>
+          </a:xfrm>
+          <a:prstGeom prst="rect">
+            <a:avLst/>
+          </a:prstGeom>
+        </p:spPr>
+      </p:pic>
+    </p:spTree>
+    <p:extLst>
+      <p:ext uri="{BB962C8B-B14F-4D97-AF65-F5344CB8AC3E}">
+        <p14:creationId xmlns:p14="http://schemas.microsoft.com/office/powerpoint/2010/main" val="191056528"/>
+      </p:ext>
+    </p:extLst>
+  </p:cSld>
+  <p:clrMapOvr>
+    <a:masterClrMapping/>
+  </p:clrMapOvr>
+</p:sld>
+</file>
+
+<file path=ppt/slides/slide4.xml><?xml version="1.0" encoding="utf-8"?>
+<p:sld xmlns:a="http://schemas.openxmlformats.org/drawingml/2006/main" xmlns:r="http://schemas.openxmlformats.org/officeDocument/2006/relationships" xmlns:p="http://schemas.openxmlformats.org/presentationml/2006/main">
+  <p:cSld>
+    <p:spTree>
+      <p:nvGrpSpPr>
+        <p:cNvPr id="1" name=""/>
+        <p:cNvGrpSpPr/>
+        <p:nvPr/>
+      </p:nvGrpSpPr>
+      <p:grpSpPr>
+        <a:xfrm>
+          <a:off x="0" y="0"/>
+          <a:ext cx="0" cy="0"/>
+          <a:chOff x="0" y="0"/>
+          <a:chExt cx="0" cy="0"/>
+        </a:xfrm>
+      </p:grpSpPr>
+      <p:pic>
+        <p:nvPicPr>
+          <p:cNvPr id="5" name="Picture 4">
+            <a:extLst>
+              <a:ext uri="{FF2B5EF4-FFF2-40B4-BE49-F238E27FC236}">
+                <a16:creationId xmlns:a16="http://schemas.microsoft.com/office/drawing/2014/main" id="{E0166C46-7D70-9164-AA7A-E20E517D45DA}"/>
+              </a:ext>
+            </a:extLst>
+          </p:cNvPr>
+          <p:cNvPicPr>
+            <a:picLocks noChangeAspect="1"/>
+          </p:cNvPicPr>
+          <p:nvPr/>
+        </p:nvPicPr>
+        <p:blipFill>
+          <a:blip r:embed="rId2"/>
+          <a:stretch>
+            <a:fillRect/>
+          </a:stretch>
+        </p:blipFill>
+        <p:spPr>
+          <a:xfrm>
+            <a:off x="3429000" y="95250"/>
+            <a:ext cx="5334000" cy="6667500"/>
+          </a:xfrm>
+          <a:prstGeom prst="rect">
+            <a:avLst/>
+          </a:prstGeom>
+        </p:spPr>
+      </p:pic>
+    </p:spTree>
+    <p:extLst>
+      <p:ext uri="{BB962C8B-B14F-4D97-AF65-F5344CB8AC3E}">
+        <p14:creationId xmlns:p14="http://schemas.microsoft.com/office/powerpoint/2010/main" val="1260589088"/>
+      </p:ext>
+    </p:extLst>
+  </p:cSld>
+  <p:clrMapOvr>
+    <a:masterClrMapping/>
+  </p:clrMapOvr>
+</p:sld>
+</file>
+
+<file path=ppt/slides/slide5.xml><?xml version="1.0" encoding="utf-8"?>
 <p:sld xmlns:a="http://schemas.openxmlformats.org/drawingml/2006/main" xmlns:r="http://schemas.openxmlformats.org/officeDocument/2006/relationships" xmlns:p="http://schemas.openxmlformats.org/presentationml/2006/main">
   <p:cSld>
     <p:spTree>
@@ -10985,7 +11108,7 @@
 </p:sld>
 </file>
 
-<file path=ppt/slides/slide4.xml><?xml version="1.0" encoding="utf-8"?>
+<file path=ppt/slides/slide6.xml><?xml version="1.0" encoding="utf-8"?>
 <p:sld xmlns:a="http://schemas.openxmlformats.org/drawingml/2006/main" xmlns:r="http://schemas.openxmlformats.org/officeDocument/2006/relationships" xmlns:p="http://schemas.openxmlformats.org/presentationml/2006/main">
   <p:cSld>
     <p:spTree>
@@ -11535,7 +11658,7 @@
 </p:sld>
 </file>
 
-<file path=ppt/slides/slide5.xml><?xml version="1.0" encoding="utf-8"?>
+<file path=ppt/slides/slide7.xml><?xml version="1.0" encoding="utf-8"?>
 <p:sld xmlns:a="http://schemas.openxmlformats.org/drawingml/2006/main" xmlns:r="http://schemas.openxmlformats.org/officeDocument/2006/relationships" xmlns:p="http://schemas.openxmlformats.org/presentationml/2006/main">
   <p:cSld>
     <p:spTree>
@@ -11688,6 +11811,157 @@
     <p:extLst>
       <p:ext uri="{BB962C8B-B14F-4D97-AF65-F5344CB8AC3E}">
         <p14:creationId xmlns:p14="http://schemas.microsoft.com/office/powerpoint/2010/main" val="151460971"/>
+      </p:ext>
+    </p:extLst>
+  </p:cSld>
+  <p:clrMapOvr>
+    <a:masterClrMapping/>
+  </p:clrMapOvr>
+</p:sld>
+</file>
+
+<file path=ppt/slides/slide8.xml><?xml version="1.0" encoding="utf-8"?>
+<p:sld xmlns:a="http://schemas.openxmlformats.org/drawingml/2006/main" xmlns:r="http://schemas.openxmlformats.org/officeDocument/2006/relationships" xmlns:p="http://schemas.openxmlformats.org/presentationml/2006/main">
+  <p:cSld>
+    <p:spTree>
+      <p:nvGrpSpPr>
+        <p:cNvPr id="1" name=""/>
+        <p:cNvGrpSpPr/>
+        <p:nvPr/>
+      </p:nvGrpSpPr>
+      <p:grpSpPr>
+        <a:xfrm>
+          <a:off x="0" y="0"/>
+          <a:ext cx="0" cy="0"/>
+          <a:chOff x="0" y="0"/>
+          <a:chExt cx="0" cy="0"/>
+        </a:xfrm>
+      </p:grpSpPr>
+      <p:pic>
+        <p:nvPicPr>
+          <p:cNvPr id="10" name="Picture 9">
+            <a:extLst>
+              <a:ext uri="{FF2B5EF4-FFF2-40B4-BE49-F238E27FC236}">
+                <a16:creationId xmlns:a16="http://schemas.microsoft.com/office/drawing/2014/main" id="{11847D69-EA66-D11D-7E74-A81944FA6AEF}"/>
+              </a:ext>
+            </a:extLst>
+          </p:cNvPr>
+          <p:cNvPicPr>
+            <a:picLocks noChangeAspect="1"/>
+          </p:cNvPicPr>
+          <p:nvPr/>
+        </p:nvPicPr>
+        <p:blipFill>
+          <a:blip r:embed="rId2"/>
+          <a:stretch>
+            <a:fillRect/>
+          </a:stretch>
+        </p:blipFill>
+        <p:spPr>
+          <a:xfrm>
+            <a:off x="-43577" y="959056"/>
+            <a:ext cx="12279155" cy="4939889"/>
+          </a:xfrm>
+          <a:prstGeom prst="rect">
+            <a:avLst/>
+          </a:prstGeom>
+        </p:spPr>
+      </p:pic>
+      <p:cxnSp>
+        <p:nvCxnSpPr>
+          <p:cNvPr id="6" name="직선 화살표 연결선 6">
+            <a:extLst>
+              <a:ext uri="{FF2B5EF4-FFF2-40B4-BE49-F238E27FC236}">
+                <a16:creationId xmlns:a16="http://schemas.microsoft.com/office/drawing/2014/main" id="{EBBC085E-F10E-8A4C-B0CB-83BACD62F41B}"/>
+              </a:ext>
+            </a:extLst>
+          </p:cNvPr>
+          <p:cNvCxnSpPr/>
+          <p:nvPr/>
+        </p:nvCxnSpPr>
+        <p:spPr>
+          <a:xfrm>
+            <a:off x="9969623" y="4323425"/>
+            <a:ext cx="0" cy="612559"/>
+          </a:xfrm>
+          <a:prstGeom prst="straightConnector1">
+            <a:avLst/>
+          </a:prstGeom>
+          <a:ln w="57150">
+            <a:solidFill>
+              <a:srgbClr val="FF0000"/>
+            </a:solidFill>
+            <a:tailEnd type="triangle"/>
+          </a:ln>
+        </p:spPr>
+        <p:style>
+          <a:lnRef idx="1">
+            <a:schemeClr val="accent1"/>
+          </a:lnRef>
+          <a:fillRef idx="0">
+            <a:schemeClr val="accent1"/>
+          </a:fillRef>
+          <a:effectRef idx="0">
+            <a:schemeClr val="accent1"/>
+          </a:effectRef>
+          <a:fontRef idx="minor">
+            <a:schemeClr val="tx1"/>
+          </a:fontRef>
+        </p:style>
+      </p:cxnSp>
+      <p:sp>
+        <p:nvSpPr>
+          <p:cNvPr id="7" name="TextBox 6">
+            <a:extLst>
+              <a:ext uri="{FF2B5EF4-FFF2-40B4-BE49-F238E27FC236}">
+                <a16:creationId xmlns:a16="http://schemas.microsoft.com/office/drawing/2014/main" id="{F2A1EE18-8184-2185-A434-7453A77825C8}"/>
+              </a:ext>
+            </a:extLst>
+          </p:cNvPr>
+          <p:cNvSpPr txBox="1"/>
+          <p:nvPr/>
+        </p:nvSpPr>
+        <p:spPr>
+          <a:xfrm>
+            <a:off x="9041547" y="3668746"/>
+            <a:ext cx="1835695" cy="646331"/>
+          </a:xfrm>
+          <a:prstGeom prst="rect">
+            <a:avLst/>
+          </a:prstGeom>
+          <a:noFill/>
+          <a:ln w="28575">
+            <a:solidFill>
+              <a:srgbClr val="FF0000"/>
+            </a:solidFill>
+          </a:ln>
+        </p:spPr>
+        <p:txBody>
+          <a:bodyPr wrap="none" rtlCol="0">
+            <a:spAutoFit/>
+          </a:bodyPr>
+          <a:lstStyle/>
+          <a:p>
+            <a:pPr algn="ctr"/>
+            <a:r>
+              <a:rPr lang="en-US" altLang="ko-KR" dirty="0"/>
+              <a:t>Top 5% F-value</a:t>
+            </a:r>
+          </a:p>
+          <a:p>
+            <a:pPr algn="ctr"/>
+            <a:r>
+              <a:rPr lang="en-US" altLang="ko-KR" dirty="0"/>
+              <a:t>from simulation</a:t>
+            </a:r>
+            <a:endParaRPr lang="ko-KR" altLang="en-US" dirty="0"/>
+          </a:p>
+        </p:txBody>
+      </p:sp>
+    </p:spTree>
+    <p:extLst>
+      <p:ext uri="{BB962C8B-B14F-4D97-AF65-F5344CB8AC3E}">
+        <p14:creationId xmlns:p14="http://schemas.microsoft.com/office/powerpoint/2010/main" val="3520503458"/>
       </p:ext>
     </p:extLst>
   </p:cSld>
